--- a/Presentation1.pptx
+++ b/Presentation1.pptx
@@ -6,6 +6,7 @@
   </p:sldMasterIdLst>
   <p:sldIdLst>
     <p:sldId id="256" r:id="rId2"/>
+    <p:sldId id="257" r:id="rId3"/>
   </p:sldIdLst>
   <p:sldSz cx="12192000" cy="6858000"/>
   <p:notesSz cx="6858000" cy="9144000"/>
@@ -104,6 +105,11 @@
       </a:defRPr>
     </a:lvl9pPr>
   </p:defaultTextStyle>
+  <p:extLst>
+    <p:ext uri="{EFAFB233-063F-42B5-8137-9DF3F51BA10A}">
+      <p15:sldGuideLst xmlns:p15="http://schemas.microsoft.com/office/powerpoint/2012/main"/>
+    </p:ext>
+  </p:extLst>
 </p:presentation>
 </file>
 
@@ -2759,9 +2765,18 @@
 <p:sldMaster xmlns:a="http://schemas.openxmlformats.org/drawingml/2006/main" xmlns:r="http://schemas.openxmlformats.org/officeDocument/2006/relationships" xmlns:p="http://schemas.openxmlformats.org/presentationml/2006/main">
   <p:cSld>
     <p:bg>
-      <p:bgRef idx="1001">
-        <a:schemeClr val="bg1"/>
-      </p:bgRef>
+      <p:bgPr>
+        <a:blipFill dpi="0" rotWithShape="1">
+          <a:blip r:embed="rId13">
+            <a:lum/>
+          </a:blip>
+          <a:srcRect/>
+          <a:stretch>
+            <a:fillRect/>
+          </a:stretch>
+        </a:blipFill>
+        <a:effectLst/>
+      </p:bgPr>
     </p:bg>
     <p:spTree>
       <p:nvGrpSpPr>
@@ -3326,8 +3341,16 @@
 </file>
 
 <file path=ppt/slides/slide1.xml><?xml version="1.0" encoding="utf-8"?>
-<p:sld xmlns:a="http://schemas.openxmlformats.org/drawingml/2006/main" xmlns:r="http://schemas.openxmlformats.org/officeDocument/2006/relationships" xmlns:p="http://schemas.openxmlformats.org/presentationml/2006/main">
+<p:sld xmlns:a="http://schemas.openxmlformats.org/drawingml/2006/main" xmlns:r="http://schemas.openxmlformats.org/officeDocument/2006/relationships" xmlns:p="http://schemas.openxmlformats.org/presentationml/2006/main" showMasterSp="0">
   <p:cSld>
+    <p:bg>
+      <p:bgPr>
+        <a:solidFill>
+          <a:srgbClr val="0277BD"/>
+        </a:solidFill>
+        <a:effectLst/>
+      </p:bgPr>
+    </p:bg>
     <p:spTree>
       <p:nvGrpSpPr>
         <p:cNvPr id="1" name=""/>
@@ -3344,58 +3367,512 @@
       </p:grpSpPr>
       <p:sp>
         <p:nvSpPr>
-          <p:cNvPr id="2" name="Title 1">
-            <a:extLst>
-              <a:ext uri="{FF2B5EF4-FFF2-40B4-BE49-F238E27FC236}">
-                <a16:creationId xmlns:a16="http://schemas.microsoft.com/office/drawing/2014/main" id="{E756CD77-7337-EAAC-A3E2-66954D79FA9B}"/>
-              </a:ext>
-            </a:extLst>
-          </p:cNvPr>
-          <p:cNvSpPr>
-            <a:spLocks noGrp="1"/>
-          </p:cNvSpPr>
-          <p:nvPr>
-            <p:ph type="ctrTitle"/>
-          </p:nvPr>
-        </p:nvSpPr>
-        <p:spPr/>
-        <p:txBody>
-          <a:bodyPr/>
-          <a:lstStyle/>
-          <a:p>
-            <a:endParaRPr lang="en-GB"/>
-          </a:p>
-        </p:txBody>
-      </p:sp>
-      <p:sp>
-        <p:nvSpPr>
-          <p:cNvPr id="3" name="Subtitle 2">
-            <a:extLst>
-              <a:ext uri="{FF2B5EF4-FFF2-40B4-BE49-F238E27FC236}">
-                <a16:creationId xmlns:a16="http://schemas.microsoft.com/office/drawing/2014/main" id="{02D14F50-3728-26AA-3517-E429190F6095}"/>
-              </a:ext>
-            </a:extLst>
-          </p:cNvPr>
-          <p:cNvSpPr>
-            <a:spLocks noGrp="1"/>
-          </p:cNvSpPr>
-          <p:nvPr>
-            <p:ph type="subTitle" idx="1"/>
-          </p:nvPr>
-        </p:nvSpPr>
-        <p:spPr/>
-        <p:txBody>
-          <a:bodyPr/>
-          <a:lstStyle/>
-          <a:p>
-            <a:endParaRPr lang="en-GB"/>
-          </a:p>
-        </p:txBody>
-      </p:sp>
+          <p:cNvPr id="21" name="Rectangle: Rounded Corners 20">
+            <a:extLst>
+              <a:ext uri="{FF2B5EF4-FFF2-40B4-BE49-F238E27FC236}">
+                <a16:creationId xmlns:a16="http://schemas.microsoft.com/office/drawing/2014/main" id="{749E600B-1F58-5FAC-61AC-15944A304D00}"/>
+              </a:ext>
+            </a:extLst>
+          </p:cNvPr>
+          <p:cNvSpPr/>
+          <p:nvPr/>
+        </p:nvSpPr>
+        <p:spPr>
+          <a:xfrm>
+            <a:off x="1133474" y="2009773"/>
+            <a:ext cx="2990850" cy="2428875"/>
+          </a:xfrm>
+          <a:prstGeom prst="roundRect">
+            <a:avLst/>
+          </a:prstGeom>
+        </p:spPr>
+        <p:style>
+          <a:lnRef idx="2">
+            <a:schemeClr val="accent6"/>
+          </a:lnRef>
+          <a:fillRef idx="1">
+            <a:schemeClr val="lt1"/>
+          </a:fillRef>
+          <a:effectRef idx="0">
+            <a:schemeClr val="accent6"/>
+          </a:effectRef>
+          <a:fontRef idx="minor">
+            <a:schemeClr val="dk1"/>
+          </a:fontRef>
+        </p:style>
+        <p:txBody>
+          <a:bodyPr rtlCol="0" anchor="ctr"/>
+          <a:lstStyle/>
+          <a:p>
+            <a:pPr algn="ctr"/>
+            <a:endParaRPr lang="en-GB"/>
+          </a:p>
+        </p:txBody>
+      </p:sp>
+      <p:sp>
+        <p:nvSpPr>
+          <p:cNvPr id="19" name="Freeform: Shape 18">
+            <a:extLst>
+              <a:ext uri="{FF2B5EF4-FFF2-40B4-BE49-F238E27FC236}">
+                <a16:creationId xmlns:a16="http://schemas.microsoft.com/office/drawing/2014/main" id="{86ABDD0A-FF45-5179-DED4-063294C9B381}"/>
+              </a:ext>
+            </a:extLst>
+          </p:cNvPr>
+          <p:cNvSpPr/>
+          <p:nvPr/>
+        </p:nvSpPr>
+        <p:spPr>
+          <a:xfrm>
+            <a:off x="4483511" y="0"/>
+            <a:ext cx="7708491" cy="6858000"/>
+          </a:xfrm>
+          <a:custGeom>
+            <a:avLst/>
+            <a:gdLst>
+              <a:gd name="connsiteX0" fmla="*/ 7708491 w 7708491"/>
+              <a:gd name="connsiteY0" fmla="*/ 5169906 h 6858000"/>
+              <a:gd name="connsiteX1" fmla="*/ 7708491 w 7708491"/>
+              <a:gd name="connsiteY1" fmla="*/ 6858000 h 6858000"/>
+              <a:gd name="connsiteX2" fmla="*/ 5110026 w 7708491"/>
+              <a:gd name="connsiteY2" fmla="*/ 6858000 h 6858000"/>
+              <a:gd name="connsiteX3" fmla="*/ 5146226 w 7708491"/>
+              <a:gd name="connsiteY3" fmla="*/ 6850887 h 6858000"/>
+              <a:gd name="connsiteX4" fmla="*/ 7638448 w 7708491"/>
+              <a:gd name="connsiteY4" fmla="*/ 5273614 h 6858000"/>
+              <a:gd name="connsiteX5" fmla="*/ 3432542 w 7708491"/>
+              <a:gd name="connsiteY5" fmla="*/ 0 h 6858000"/>
+              <a:gd name="connsiteX6" fmla="*/ 4801974 w 7708491"/>
+              <a:gd name="connsiteY6" fmla="*/ 0 h 6858000"/>
+              <a:gd name="connsiteX7" fmla="*/ 4947029 w 7708491"/>
+              <a:gd name="connsiteY7" fmla="*/ 22053 h 6858000"/>
+              <a:gd name="connsiteX8" fmla="*/ 7638447 w 7708491"/>
+              <a:gd name="connsiteY8" fmla="*/ 1638466 h 6858000"/>
+              <a:gd name="connsiteX9" fmla="*/ 7708490 w 7708491"/>
+              <a:gd name="connsiteY9" fmla="*/ 1742174 h 6858000"/>
+              <a:gd name="connsiteX10" fmla="*/ 7708490 w 7708491"/>
+              <a:gd name="connsiteY10" fmla="*/ 5169906 h 6858000"/>
+              <a:gd name="connsiteX11" fmla="*/ 7638447 w 7708491"/>
+              <a:gd name="connsiteY11" fmla="*/ 5273614 h 6858000"/>
+              <a:gd name="connsiteX12" fmla="*/ 5146225 w 7708491"/>
+              <a:gd name="connsiteY12" fmla="*/ 6850887 h 6858000"/>
+              <a:gd name="connsiteX13" fmla="*/ 5110025 w 7708491"/>
+              <a:gd name="connsiteY13" fmla="*/ 6858000 h 6858000"/>
+              <a:gd name="connsiteX14" fmla="*/ 3124492 w 7708491"/>
+              <a:gd name="connsiteY14" fmla="*/ 6858000 h 6858000"/>
+              <a:gd name="connsiteX15" fmla="*/ 3088291 w 7708491"/>
+              <a:gd name="connsiteY15" fmla="*/ 6850887 h 6858000"/>
+              <a:gd name="connsiteX16" fmla="*/ 2701607 w 7708491"/>
+              <a:gd name="connsiteY16" fmla="*/ 6748545 h 6858000"/>
+              <a:gd name="connsiteX17" fmla="*/ 2536722 w 7708491"/>
+              <a:gd name="connsiteY17" fmla="*/ 6693198 h 6858000"/>
+              <a:gd name="connsiteX18" fmla="*/ 2514635 w 7708491"/>
+              <a:gd name="connsiteY18" fmla="*/ 6685784 h 6858000"/>
+              <a:gd name="connsiteX19" fmla="*/ 0 w 7708491"/>
+              <a:gd name="connsiteY19" fmla="*/ 3456040 h 6858000"/>
+              <a:gd name="connsiteX20" fmla="*/ 2514635 w 7708491"/>
+              <a:gd name="connsiteY20" fmla="*/ 226296 h 6858000"/>
+              <a:gd name="connsiteX21" fmla="*/ 2536722 w 7708491"/>
+              <a:gd name="connsiteY21" fmla="*/ 218882 h 6858000"/>
+              <a:gd name="connsiteX22" fmla="*/ 2536722 w 7708491"/>
+              <a:gd name="connsiteY22" fmla="*/ 218882 h 6858000"/>
+              <a:gd name="connsiteX23" fmla="*/ 2701607 w 7708491"/>
+              <a:gd name="connsiteY23" fmla="*/ 163535 h 6858000"/>
+              <a:gd name="connsiteX24" fmla="*/ 3287487 w 7708491"/>
+              <a:gd name="connsiteY24" fmla="*/ 22053 h 6858000"/>
+              <a:gd name="connsiteX25" fmla="*/ 4801974 w 7708491"/>
+              <a:gd name="connsiteY25" fmla="*/ 0 h 6858000"/>
+              <a:gd name="connsiteX26" fmla="*/ 7708490 w 7708491"/>
+              <a:gd name="connsiteY26" fmla="*/ 0 h 6858000"/>
+              <a:gd name="connsiteX27" fmla="*/ 7708490 w 7708491"/>
+              <a:gd name="connsiteY27" fmla="*/ 1742174 h 6858000"/>
+              <a:gd name="connsiteX28" fmla="*/ 7638447 w 7708491"/>
+              <a:gd name="connsiteY28" fmla="*/ 1638466 h 6858000"/>
+              <a:gd name="connsiteX29" fmla="*/ 4947029 w 7708491"/>
+              <a:gd name="connsiteY29" fmla="*/ 22053 h 6858000"/>
+            </a:gdLst>
+            <a:ahLst/>
+            <a:cxnLst>
+              <a:cxn ang="0">
+                <a:pos x="connsiteX0" y="connsiteY0"/>
+              </a:cxn>
+              <a:cxn ang="0">
+                <a:pos x="connsiteX1" y="connsiteY1"/>
+              </a:cxn>
+              <a:cxn ang="0">
+                <a:pos x="connsiteX2" y="connsiteY2"/>
+              </a:cxn>
+              <a:cxn ang="0">
+                <a:pos x="connsiteX3" y="connsiteY3"/>
+              </a:cxn>
+              <a:cxn ang="0">
+                <a:pos x="connsiteX4" y="connsiteY4"/>
+              </a:cxn>
+              <a:cxn ang="0">
+                <a:pos x="connsiteX5" y="connsiteY5"/>
+              </a:cxn>
+              <a:cxn ang="0">
+                <a:pos x="connsiteX6" y="connsiteY6"/>
+              </a:cxn>
+              <a:cxn ang="0">
+                <a:pos x="connsiteX7" y="connsiteY7"/>
+              </a:cxn>
+              <a:cxn ang="0">
+                <a:pos x="connsiteX8" y="connsiteY8"/>
+              </a:cxn>
+              <a:cxn ang="0">
+                <a:pos x="connsiteX9" y="connsiteY9"/>
+              </a:cxn>
+              <a:cxn ang="0">
+                <a:pos x="connsiteX10" y="connsiteY10"/>
+              </a:cxn>
+              <a:cxn ang="0">
+                <a:pos x="connsiteX11" y="connsiteY11"/>
+              </a:cxn>
+              <a:cxn ang="0">
+                <a:pos x="connsiteX12" y="connsiteY12"/>
+              </a:cxn>
+              <a:cxn ang="0">
+                <a:pos x="connsiteX13" y="connsiteY13"/>
+              </a:cxn>
+              <a:cxn ang="0">
+                <a:pos x="connsiteX14" y="connsiteY14"/>
+              </a:cxn>
+              <a:cxn ang="0">
+                <a:pos x="connsiteX15" y="connsiteY15"/>
+              </a:cxn>
+              <a:cxn ang="0">
+                <a:pos x="connsiteX16" y="connsiteY16"/>
+              </a:cxn>
+              <a:cxn ang="0">
+                <a:pos x="connsiteX17" y="connsiteY17"/>
+              </a:cxn>
+              <a:cxn ang="0">
+                <a:pos x="connsiteX18" y="connsiteY18"/>
+              </a:cxn>
+              <a:cxn ang="0">
+                <a:pos x="connsiteX19" y="connsiteY19"/>
+              </a:cxn>
+              <a:cxn ang="0">
+                <a:pos x="connsiteX20" y="connsiteY20"/>
+              </a:cxn>
+              <a:cxn ang="0">
+                <a:pos x="connsiteX21" y="connsiteY21"/>
+              </a:cxn>
+              <a:cxn ang="0">
+                <a:pos x="connsiteX22" y="connsiteY22"/>
+              </a:cxn>
+              <a:cxn ang="0">
+                <a:pos x="connsiteX23" y="connsiteY23"/>
+              </a:cxn>
+              <a:cxn ang="0">
+                <a:pos x="connsiteX24" y="connsiteY24"/>
+              </a:cxn>
+              <a:cxn ang="0">
+                <a:pos x="connsiteX25" y="connsiteY25"/>
+              </a:cxn>
+              <a:cxn ang="0">
+                <a:pos x="connsiteX26" y="connsiteY26"/>
+              </a:cxn>
+              <a:cxn ang="0">
+                <a:pos x="connsiteX27" y="connsiteY27"/>
+              </a:cxn>
+              <a:cxn ang="0">
+                <a:pos x="connsiteX28" y="connsiteY28"/>
+              </a:cxn>
+              <a:cxn ang="0">
+                <a:pos x="connsiteX29" y="connsiteY29"/>
+              </a:cxn>
+            </a:cxnLst>
+            <a:rect l="l" t="t" r="r" b="b"/>
+            <a:pathLst>
+              <a:path w="7708491" h="6858000">
+                <a:moveTo>
+                  <a:pt x="7708491" y="5169906"/>
+                </a:moveTo>
+                <a:lnTo>
+                  <a:pt x="7708491" y="6858000"/>
+                </a:lnTo>
+                <a:lnTo>
+                  <a:pt x="5110026" y="6858000"/>
+                </a:lnTo>
+                <a:lnTo>
+                  <a:pt x="5146226" y="6850887"/>
+                </a:lnTo>
+                <a:cubicBezTo>
+                  <a:pt x="6198657" y="6620362"/>
+                  <a:pt x="7088265" y="6044488"/>
+                  <a:pt x="7638448" y="5273614"/>
+                </a:cubicBezTo>
+                <a:close/>
+                <a:moveTo>
+                  <a:pt x="3432542" y="0"/>
+                </a:moveTo>
+                <a:lnTo>
+                  <a:pt x="4801974" y="0"/>
+                </a:lnTo>
+                <a:lnTo>
+                  <a:pt x="4947029" y="22053"/>
+                </a:lnTo>
+                <a:cubicBezTo>
+                  <a:pt x="6086129" y="220496"/>
+                  <a:pt x="7053878" y="819413"/>
+                  <a:pt x="7638447" y="1638466"/>
+                </a:cubicBezTo>
+                <a:lnTo>
+                  <a:pt x="7708490" y="1742174"/>
+                </a:lnTo>
+                <a:lnTo>
+                  <a:pt x="7708490" y="5169906"/>
+                </a:lnTo>
+                <a:lnTo>
+                  <a:pt x="7638447" y="5273614"/>
+                </a:lnTo>
+                <a:cubicBezTo>
+                  <a:pt x="7088264" y="6044488"/>
+                  <a:pt x="6198656" y="6620362"/>
+                  <a:pt x="5146225" y="6850887"/>
+                </a:cubicBezTo>
+                <a:lnTo>
+                  <a:pt x="5110025" y="6858000"/>
+                </a:lnTo>
+                <a:lnTo>
+                  <a:pt x="3124492" y="6858000"/>
+                </a:lnTo>
+                <a:lnTo>
+                  <a:pt x="3088291" y="6850887"/>
+                </a:lnTo>
+                <a:cubicBezTo>
+                  <a:pt x="2956737" y="6822072"/>
+                  <a:pt x="2827728" y="6787860"/>
+                  <a:pt x="2701607" y="6748545"/>
+                </a:cubicBezTo>
+                <a:lnTo>
+                  <a:pt x="2536722" y="6693198"/>
+                </a:lnTo>
+                <a:lnTo>
+                  <a:pt x="2514635" y="6685784"/>
+                </a:lnTo>
+                <a:cubicBezTo>
+                  <a:pt x="1036890" y="6153666"/>
+                  <a:pt x="0" y="4907942"/>
+                  <a:pt x="0" y="3456040"/>
+                </a:cubicBezTo>
+                <a:cubicBezTo>
+                  <a:pt x="0" y="2004138"/>
+                  <a:pt x="1036890" y="758414"/>
+                  <a:pt x="2514635" y="226296"/>
+                </a:cubicBezTo>
+                <a:lnTo>
+                  <a:pt x="2536722" y="218882"/>
+                </a:lnTo>
+                <a:lnTo>
+                  <a:pt x="2536722" y="218882"/>
+                </a:lnTo>
+                <a:lnTo>
+                  <a:pt x="2701607" y="163535"/>
+                </a:lnTo>
+                <a:cubicBezTo>
+                  <a:pt x="2890788" y="104563"/>
+                  <a:pt x="3086469" y="57072"/>
+                  <a:pt x="3287487" y="22053"/>
+                </a:cubicBezTo>
+                <a:close/>
+                <a:moveTo>
+                  <a:pt x="4801974" y="0"/>
+                </a:moveTo>
+                <a:lnTo>
+                  <a:pt x="7708490" y="0"/>
+                </a:lnTo>
+                <a:lnTo>
+                  <a:pt x="7708490" y="1742174"/>
+                </a:lnTo>
+                <a:lnTo>
+                  <a:pt x="7638447" y="1638466"/>
+                </a:lnTo>
+                <a:cubicBezTo>
+                  <a:pt x="7053878" y="819413"/>
+                  <a:pt x="6086129" y="220496"/>
+                  <a:pt x="4947029" y="22053"/>
+                </a:cubicBezTo>
+                <a:close/>
+              </a:path>
+            </a:pathLst>
+          </a:custGeom>
+          <a:solidFill>
+            <a:schemeClr val="bg1"/>
+          </a:solidFill>
+          <a:ln>
+            <a:solidFill>
+              <a:schemeClr val="bg1"/>
+            </a:solidFill>
+          </a:ln>
+        </p:spPr>
+        <p:style>
+          <a:lnRef idx="2">
+            <a:schemeClr val="accent1">
+              <a:shade val="50000"/>
+            </a:schemeClr>
+          </a:lnRef>
+          <a:fillRef idx="1">
+            <a:schemeClr val="accent1"/>
+          </a:fillRef>
+          <a:effectRef idx="0">
+            <a:schemeClr val="accent1"/>
+          </a:effectRef>
+          <a:fontRef idx="minor">
+            <a:schemeClr val="lt1"/>
+          </a:fontRef>
+        </p:style>
+        <p:txBody>
+          <a:bodyPr wrap="square" rtlCol="0" anchor="ctr">
+            <a:noAutofit/>
+          </a:bodyPr>
+          <a:lstStyle/>
+          <a:p>
+            <a:pPr algn="ctr"/>
+            <a:endParaRPr lang="en-GB" dirty="0"/>
+          </a:p>
+        </p:txBody>
+      </p:sp>
+      <p:pic>
+        <p:nvPicPr>
+          <p:cNvPr id="1026" name="Picture 2" descr="Live Instructor-Led Automating Administration with Windows PowerShell  Training (AZ-040T00) - Hands-on Interactive Course">
+            <a:extLst>
+              <a:ext uri="{FF2B5EF4-FFF2-40B4-BE49-F238E27FC236}">
+                <a16:creationId xmlns:a16="http://schemas.microsoft.com/office/drawing/2014/main" id="{17D8947D-A15F-5E33-8929-CC1566B30F20}"/>
+              </a:ext>
+            </a:extLst>
+          </p:cNvPr>
+          <p:cNvPicPr>
+            <a:picLocks noChangeAspect="1" noChangeArrowheads="1"/>
+          </p:cNvPicPr>
+          <p:nvPr/>
+        </p:nvPicPr>
+        <p:blipFill>
+          <a:blip r:embed="rId2">
+            <a:extLst>
+              <a:ext uri="{28A0092B-C50C-407E-A947-70E740481C1C}">
+                <a14:useLocalDpi xmlns:a14="http://schemas.microsoft.com/office/drawing/2010/main" val="0"/>
+              </a:ext>
+            </a:extLst>
+          </a:blip>
+          <a:srcRect/>
+          <a:stretch>
+            <a:fillRect/>
+          </a:stretch>
+        </p:blipFill>
+        <p:spPr bwMode="auto">
+          <a:xfrm>
+            <a:off x="1262061" y="1857372"/>
+            <a:ext cx="2733675" cy="2733675"/>
+          </a:xfrm>
+          <a:prstGeom prst="rect">
+            <a:avLst/>
+          </a:prstGeom>
+          <a:noFill/>
+          <a:extLst>
+            <a:ext uri="{909E8E84-426E-40DD-AFC4-6F175D3DCCD1}">
+              <a14:hiddenFill xmlns:a14="http://schemas.microsoft.com/office/drawing/2010/main">
+                <a:solidFill>
+                  <a:srgbClr val="FFFFFF"/>
+                </a:solidFill>
+              </a14:hiddenFill>
+            </a:ext>
+          </a:extLst>
+        </p:spPr>
+      </p:pic>
     </p:spTree>
     <p:extLst>
       <p:ext uri="{BB962C8B-B14F-4D97-AF65-F5344CB8AC3E}">
         <p14:creationId xmlns:p14="http://schemas.microsoft.com/office/powerpoint/2010/main" val="491950734"/>
+      </p:ext>
+    </p:extLst>
+  </p:cSld>
+  <p:clrMapOvr>
+    <a:masterClrMapping/>
+  </p:clrMapOvr>
+</p:sld>
+</file>
+
+<file path=ppt/slides/slide2.xml><?xml version="1.0" encoding="utf-8"?>
+<p:sld xmlns:a="http://schemas.openxmlformats.org/drawingml/2006/main" xmlns:r="http://schemas.openxmlformats.org/officeDocument/2006/relationships" xmlns:p="http://schemas.openxmlformats.org/presentationml/2006/main">
+  <p:cSld>
+    <p:bg>
+      <p:bgPr>
+        <a:solidFill>
+          <a:schemeClr val="bg1"/>
+        </a:solidFill>
+        <a:effectLst/>
+      </p:bgPr>
+    </p:bg>
+    <p:spTree>
+      <p:nvGrpSpPr>
+        <p:cNvPr id="1" name=""/>
+        <p:cNvGrpSpPr/>
+        <p:nvPr/>
+      </p:nvGrpSpPr>
+      <p:grpSpPr>
+        <a:xfrm>
+          <a:off x="0" y="0"/>
+          <a:ext cx="0" cy="0"/>
+          <a:chOff x="0" y="0"/>
+          <a:chExt cx="0" cy="0"/>
+        </a:xfrm>
+      </p:grpSpPr>
+      <p:sp>
+        <p:nvSpPr>
+          <p:cNvPr id="2" name="Title 1">
+            <a:extLst>
+              <a:ext uri="{FF2B5EF4-FFF2-40B4-BE49-F238E27FC236}">
+                <a16:creationId xmlns:a16="http://schemas.microsoft.com/office/drawing/2014/main" id="{E4A8A761-5995-3AF9-2C20-B6ABCF2B57D8}"/>
+              </a:ext>
+            </a:extLst>
+          </p:cNvPr>
+          <p:cNvSpPr>
+            <a:spLocks noGrp="1"/>
+          </p:cNvSpPr>
+          <p:nvPr>
+            <p:ph type="title"/>
+          </p:nvPr>
+        </p:nvSpPr>
+        <p:spPr/>
+        <p:txBody>
+          <a:bodyPr/>
+          <a:lstStyle/>
+          <a:p>
+            <a:endParaRPr lang="en-GB"/>
+          </a:p>
+        </p:txBody>
+      </p:sp>
+      <p:sp>
+        <p:nvSpPr>
+          <p:cNvPr id="3" name="Content Placeholder 2">
+            <a:extLst>
+              <a:ext uri="{FF2B5EF4-FFF2-40B4-BE49-F238E27FC236}">
+                <a16:creationId xmlns:a16="http://schemas.microsoft.com/office/drawing/2014/main" id="{9CC1160A-A62A-7C78-C995-F5BCD2AE3378}"/>
+              </a:ext>
+            </a:extLst>
+          </p:cNvPr>
+          <p:cNvSpPr>
+            <a:spLocks noGrp="1"/>
+          </p:cNvSpPr>
+          <p:nvPr>
+            <p:ph idx="1"/>
+          </p:nvPr>
+        </p:nvSpPr>
+        <p:spPr/>
+        <p:txBody>
+          <a:bodyPr/>
+          <a:lstStyle/>
+          <a:p>
+            <a:endParaRPr lang="en-GB"/>
+          </a:p>
+        </p:txBody>
+      </p:sp>
+    </p:spTree>
+    <p:extLst>
+      <p:ext uri="{BB962C8B-B14F-4D97-AF65-F5344CB8AC3E}">
+        <p14:creationId xmlns:p14="http://schemas.microsoft.com/office/powerpoint/2010/main" val="913892151"/>
       </p:ext>
     </p:extLst>
   </p:cSld>

--- a/Presentation1.pptx
+++ b/Presentation1.pptx
@@ -5,12 +5,16 @@
     <p:sldMasterId id="2147483660" r:id="rId1"/>
   </p:sldMasterIdLst>
   <p:notesMasterIdLst>
-    <p:notesMasterId r:id="rId5"/>
+    <p:notesMasterId r:id="rId9"/>
   </p:notesMasterIdLst>
   <p:sldIdLst>
     <p:sldId id="256" r:id="rId2"/>
     <p:sldId id="290" r:id="rId3"/>
-    <p:sldId id="291" r:id="rId4"/>
+    <p:sldId id="292" r:id="rId4"/>
+    <p:sldId id="293" r:id="rId5"/>
+    <p:sldId id="294" r:id="rId6"/>
+    <p:sldId id="295" r:id="rId7"/>
+    <p:sldId id="296" r:id="rId8"/>
   </p:sldIdLst>
   <p:sldSz cx="9144000" cy="5143500" type="screen16x9"/>
   <p:notesSz cx="6858000" cy="9144000"/>
@@ -243,6 +247,11 @@
       </a:defRPr>
     </a:lvl9pPr>
   </p:defaultTextStyle>
+  <p:extLst>
+    <p:ext uri="{EFAFB233-063F-42B5-8137-9DF3F51BA10A}">
+      <p15:sldGuideLst xmlns:p15="http://schemas.microsoft.com/office/powerpoint/2012/main"/>
+    </p:ext>
+  </p:extLst>
 </p:presentation>
 </file>
 
@@ -784,6 +793,402 @@
         </p:txBody>
       </p:sp>
     </p:spTree>
+  </p:cSld>
+  <p:clrMapOvr>
+    <a:masterClrMapping/>
+  </p:clrMapOvr>
+</p:notes>
+</file>
+
+<file path=ppt/notesSlides/notesSlide2.xml><?xml version="1.0" encoding="utf-8"?>
+<p:notes xmlns:a="http://schemas.openxmlformats.org/drawingml/2006/main" xmlns:r="http://schemas.openxmlformats.org/officeDocument/2006/relationships" xmlns:p="http://schemas.openxmlformats.org/presentationml/2006/main">
+  <p:cSld>
+    <p:spTree>
+      <p:nvGrpSpPr>
+        <p:cNvPr id="1" name=""/>
+        <p:cNvGrpSpPr/>
+        <p:nvPr/>
+      </p:nvGrpSpPr>
+      <p:grpSpPr>
+        <a:xfrm>
+          <a:off x="0" y="0"/>
+          <a:ext cx="0" cy="0"/>
+          <a:chOff x="0" y="0"/>
+          <a:chExt cx="0" cy="0"/>
+        </a:xfrm>
+      </p:grpSpPr>
+      <p:sp>
+        <p:nvSpPr>
+          <p:cNvPr id="2" name="Slide Image Placeholder 1"/>
+          <p:cNvSpPr>
+            <a:spLocks noGrp="1" noRot="1" noChangeAspect="1"/>
+          </p:cNvSpPr>
+          <p:nvPr>
+            <p:ph type="sldImg"/>
+          </p:nvPr>
+        </p:nvSpPr>
+        <p:spPr>
+          <a:xfrm>
+            <a:off x="381000" y="685800"/>
+            <a:ext cx="6096000" cy="3429000"/>
+          </a:xfrm>
+        </p:spPr>
+      </p:sp>
+      <p:sp>
+        <p:nvSpPr>
+          <p:cNvPr id="3" name="Notes Placeholder 2"/>
+          <p:cNvSpPr>
+            <a:spLocks noGrp="1"/>
+          </p:cNvSpPr>
+          <p:nvPr>
+            <p:ph type="body" idx="1"/>
+          </p:nvPr>
+        </p:nvSpPr>
+        <p:spPr/>
+        <p:txBody>
+          <a:bodyPr/>
+          <a:lstStyle/>
+          <a:p>
+            <a:endParaRPr lang="en-GB" dirty="0"/>
+          </a:p>
+        </p:txBody>
+      </p:sp>
+    </p:spTree>
+    <p:extLst>
+      <p:ext uri="{BB962C8B-B14F-4D97-AF65-F5344CB8AC3E}">
+        <p14:creationId xmlns:p14="http://schemas.microsoft.com/office/powerpoint/2010/main" val="3080713213"/>
+      </p:ext>
+    </p:extLst>
+  </p:cSld>
+  <p:clrMapOvr>
+    <a:masterClrMapping/>
+  </p:clrMapOvr>
+</p:notes>
+</file>
+
+<file path=ppt/notesSlides/notesSlide3.xml><?xml version="1.0" encoding="utf-8"?>
+<p:notes xmlns:a="http://schemas.openxmlformats.org/drawingml/2006/main" xmlns:r="http://schemas.openxmlformats.org/officeDocument/2006/relationships" xmlns:p="http://schemas.openxmlformats.org/presentationml/2006/main">
+  <p:cSld>
+    <p:spTree>
+      <p:nvGrpSpPr>
+        <p:cNvPr id="1" name=""/>
+        <p:cNvGrpSpPr/>
+        <p:nvPr/>
+      </p:nvGrpSpPr>
+      <p:grpSpPr>
+        <a:xfrm>
+          <a:off x="0" y="0"/>
+          <a:ext cx="0" cy="0"/>
+          <a:chOff x="0" y="0"/>
+          <a:chExt cx="0" cy="0"/>
+        </a:xfrm>
+      </p:grpSpPr>
+      <p:sp>
+        <p:nvSpPr>
+          <p:cNvPr id="2" name="Slide Image Placeholder 1"/>
+          <p:cNvSpPr>
+            <a:spLocks noGrp="1" noRot="1" noChangeAspect="1"/>
+          </p:cNvSpPr>
+          <p:nvPr>
+            <p:ph type="sldImg"/>
+          </p:nvPr>
+        </p:nvSpPr>
+        <p:spPr>
+          <a:xfrm>
+            <a:off x="381000" y="685800"/>
+            <a:ext cx="6096000" cy="3429000"/>
+          </a:xfrm>
+        </p:spPr>
+      </p:sp>
+      <p:sp>
+        <p:nvSpPr>
+          <p:cNvPr id="3" name="Notes Placeholder 2"/>
+          <p:cNvSpPr>
+            <a:spLocks noGrp="1"/>
+          </p:cNvSpPr>
+          <p:nvPr>
+            <p:ph type="body" idx="1"/>
+          </p:nvPr>
+        </p:nvSpPr>
+        <p:spPr/>
+        <p:txBody>
+          <a:bodyPr/>
+          <a:lstStyle/>
+          <a:p>
+            <a:endParaRPr lang="en-GB" dirty="0"/>
+          </a:p>
+        </p:txBody>
+      </p:sp>
+    </p:spTree>
+    <p:extLst>
+      <p:ext uri="{BB962C8B-B14F-4D97-AF65-F5344CB8AC3E}">
+        <p14:creationId xmlns:p14="http://schemas.microsoft.com/office/powerpoint/2010/main" val="2694554663"/>
+      </p:ext>
+    </p:extLst>
+  </p:cSld>
+  <p:clrMapOvr>
+    <a:masterClrMapping/>
+  </p:clrMapOvr>
+</p:notes>
+</file>
+
+<file path=ppt/notesSlides/notesSlide4.xml><?xml version="1.0" encoding="utf-8"?>
+<p:notes xmlns:a="http://schemas.openxmlformats.org/drawingml/2006/main" xmlns:r="http://schemas.openxmlformats.org/officeDocument/2006/relationships" xmlns:p="http://schemas.openxmlformats.org/presentationml/2006/main">
+  <p:cSld>
+    <p:spTree>
+      <p:nvGrpSpPr>
+        <p:cNvPr id="1" name=""/>
+        <p:cNvGrpSpPr/>
+        <p:nvPr/>
+      </p:nvGrpSpPr>
+      <p:grpSpPr>
+        <a:xfrm>
+          <a:off x="0" y="0"/>
+          <a:ext cx="0" cy="0"/>
+          <a:chOff x="0" y="0"/>
+          <a:chExt cx="0" cy="0"/>
+        </a:xfrm>
+      </p:grpSpPr>
+      <p:sp>
+        <p:nvSpPr>
+          <p:cNvPr id="2" name="Slide Image Placeholder 1"/>
+          <p:cNvSpPr>
+            <a:spLocks noGrp="1" noRot="1" noChangeAspect="1"/>
+          </p:cNvSpPr>
+          <p:nvPr>
+            <p:ph type="sldImg"/>
+          </p:nvPr>
+        </p:nvSpPr>
+        <p:spPr>
+          <a:xfrm>
+            <a:off x="381000" y="685800"/>
+            <a:ext cx="6096000" cy="3429000"/>
+          </a:xfrm>
+        </p:spPr>
+      </p:sp>
+      <p:sp>
+        <p:nvSpPr>
+          <p:cNvPr id="3" name="Notes Placeholder 2"/>
+          <p:cNvSpPr>
+            <a:spLocks noGrp="1"/>
+          </p:cNvSpPr>
+          <p:nvPr>
+            <p:ph type="body" idx="1"/>
+          </p:nvPr>
+        </p:nvSpPr>
+        <p:spPr/>
+        <p:txBody>
+          <a:bodyPr/>
+          <a:lstStyle/>
+          <a:p>
+            <a:endParaRPr lang="en-GB" dirty="0"/>
+          </a:p>
+        </p:txBody>
+      </p:sp>
+    </p:spTree>
+    <p:extLst>
+      <p:ext uri="{BB962C8B-B14F-4D97-AF65-F5344CB8AC3E}">
+        <p14:creationId xmlns:p14="http://schemas.microsoft.com/office/powerpoint/2010/main" val="2114472149"/>
+      </p:ext>
+    </p:extLst>
+  </p:cSld>
+  <p:clrMapOvr>
+    <a:masterClrMapping/>
+  </p:clrMapOvr>
+</p:notes>
+</file>
+
+<file path=ppt/notesSlides/notesSlide5.xml><?xml version="1.0" encoding="utf-8"?>
+<p:notes xmlns:a="http://schemas.openxmlformats.org/drawingml/2006/main" xmlns:r="http://schemas.openxmlformats.org/officeDocument/2006/relationships" xmlns:p="http://schemas.openxmlformats.org/presentationml/2006/main">
+  <p:cSld>
+    <p:spTree>
+      <p:nvGrpSpPr>
+        <p:cNvPr id="1" name=""/>
+        <p:cNvGrpSpPr/>
+        <p:nvPr/>
+      </p:nvGrpSpPr>
+      <p:grpSpPr>
+        <a:xfrm>
+          <a:off x="0" y="0"/>
+          <a:ext cx="0" cy="0"/>
+          <a:chOff x="0" y="0"/>
+          <a:chExt cx="0" cy="0"/>
+        </a:xfrm>
+      </p:grpSpPr>
+      <p:sp>
+        <p:nvSpPr>
+          <p:cNvPr id="2" name="Slide Image Placeholder 1"/>
+          <p:cNvSpPr>
+            <a:spLocks noGrp="1" noRot="1" noChangeAspect="1"/>
+          </p:cNvSpPr>
+          <p:nvPr>
+            <p:ph type="sldImg"/>
+          </p:nvPr>
+        </p:nvSpPr>
+        <p:spPr>
+          <a:xfrm>
+            <a:off x="381000" y="685800"/>
+            <a:ext cx="6096000" cy="3429000"/>
+          </a:xfrm>
+        </p:spPr>
+      </p:sp>
+      <p:sp>
+        <p:nvSpPr>
+          <p:cNvPr id="3" name="Notes Placeholder 2"/>
+          <p:cNvSpPr>
+            <a:spLocks noGrp="1"/>
+          </p:cNvSpPr>
+          <p:nvPr>
+            <p:ph type="body" idx="1"/>
+          </p:nvPr>
+        </p:nvSpPr>
+        <p:spPr/>
+        <p:txBody>
+          <a:bodyPr/>
+          <a:lstStyle/>
+          <a:p>
+            <a:endParaRPr lang="en-GB" dirty="0"/>
+          </a:p>
+        </p:txBody>
+      </p:sp>
+    </p:spTree>
+    <p:extLst>
+      <p:ext uri="{BB962C8B-B14F-4D97-AF65-F5344CB8AC3E}">
+        <p14:creationId xmlns:p14="http://schemas.microsoft.com/office/powerpoint/2010/main" val="3099086320"/>
+      </p:ext>
+    </p:extLst>
+  </p:cSld>
+  <p:clrMapOvr>
+    <a:masterClrMapping/>
+  </p:clrMapOvr>
+</p:notes>
+</file>
+
+<file path=ppt/notesSlides/notesSlide6.xml><?xml version="1.0" encoding="utf-8"?>
+<p:notes xmlns:a="http://schemas.openxmlformats.org/drawingml/2006/main" xmlns:r="http://schemas.openxmlformats.org/officeDocument/2006/relationships" xmlns:p="http://schemas.openxmlformats.org/presentationml/2006/main">
+  <p:cSld>
+    <p:spTree>
+      <p:nvGrpSpPr>
+        <p:cNvPr id="1" name=""/>
+        <p:cNvGrpSpPr/>
+        <p:nvPr/>
+      </p:nvGrpSpPr>
+      <p:grpSpPr>
+        <a:xfrm>
+          <a:off x="0" y="0"/>
+          <a:ext cx="0" cy="0"/>
+          <a:chOff x="0" y="0"/>
+          <a:chExt cx="0" cy="0"/>
+        </a:xfrm>
+      </p:grpSpPr>
+      <p:sp>
+        <p:nvSpPr>
+          <p:cNvPr id="2" name="Slide Image Placeholder 1"/>
+          <p:cNvSpPr>
+            <a:spLocks noGrp="1" noRot="1" noChangeAspect="1"/>
+          </p:cNvSpPr>
+          <p:nvPr>
+            <p:ph type="sldImg"/>
+          </p:nvPr>
+        </p:nvSpPr>
+        <p:spPr>
+          <a:xfrm>
+            <a:off x="381000" y="685800"/>
+            <a:ext cx="6096000" cy="3429000"/>
+          </a:xfrm>
+        </p:spPr>
+      </p:sp>
+      <p:sp>
+        <p:nvSpPr>
+          <p:cNvPr id="3" name="Notes Placeholder 2"/>
+          <p:cNvSpPr>
+            <a:spLocks noGrp="1"/>
+          </p:cNvSpPr>
+          <p:nvPr>
+            <p:ph type="body" idx="1"/>
+          </p:nvPr>
+        </p:nvSpPr>
+        <p:spPr/>
+        <p:txBody>
+          <a:bodyPr/>
+          <a:lstStyle/>
+          <a:p>
+            <a:endParaRPr lang="en-GB" dirty="0"/>
+          </a:p>
+        </p:txBody>
+      </p:sp>
+    </p:spTree>
+    <p:extLst>
+      <p:ext uri="{BB962C8B-B14F-4D97-AF65-F5344CB8AC3E}">
+        <p14:creationId xmlns:p14="http://schemas.microsoft.com/office/powerpoint/2010/main" val="3271705206"/>
+      </p:ext>
+    </p:extLst>
+  </p:cSld>
+  <p:clrMapOvr>
+    <a:masterClrMapping/>
+  </p:clrMapOvr>
+</p:notes>
+</file>
+
+<file path=ppt/notesSlides/notesSlide7.xml><?xml version="1.0" encoding="utf-8"?>
+<p:notes xmlns:a="http://schemas.openxmlformats.org/drawingml/2006/main" xmlns:r="http://schemas.openxmlformats.org/officeDocument/2006/relationships" xmlns:p="http://schemas.openxmlformats.org/presentationml/2006/main">
+  <p:cSld>
+    <p:spTree>
+      <p:nvGrpSpPr>
+        <p:cNvPr id="1" name=""/>
+        <p:cNvGrpSpPr/>
+        <p:nvPr/>
+      </p:nvGrpSpPr>
+      <p:grpSpPr>
+        <a:xfrm>
+          <a:off x="0" y="0"/>
+          <a:ext cx="0" cy="0"/>
+          <a:chOff x="0" y="0"/>
+          <a:chExt cx="0" cy="0"/>
+        </a:xfrm>
+      </p:grpSpPr>
+      <p:sp>
+        <p:nvSpPr>
+          <p:cNvPr id="2" name="Slide Image Placeholder 1"/>
+          <p:cNvSpPr>
+            <a:spLocks noGrp="1" noRot="1" noChangeAspect="1"/>
+          </p:cNvSpPr>
+          <p:nvPr>
+            <p:ph type="sldImg"/>
+          </p:nvPr>
+        </p:nvSpPr>
+        <p:spPr>
+          <a:xfrm>
+            <a:off x="381000" y="685800"/>
+            <a:ext cx="6096000" cy="3429000"/>
+          </a:xfrm>
+        </p:spPr>
+      </p:sp>
+      <p:sp>
+        <p:nvSpPr>
+          <p:cNvPr id="3" name="Notes Placeholder 2"/>
+          <p:cNvSpPr>
+            <a:spLocks noGrp="1"/>
+          </p:cNvSpPr>
+          <p:nvPr>
+            <p:ph type="body" idx="1"/>
+          </p:nvPr>
+        </p:nvSpPr>
+        <p:spPr/>
+        <p:txBody>
+          <a:bodyPr/>
+          <a:lstStyle/>
+          <a:p>
+            <a:endParaRPr lang="en-GB" dirty="0"/>
+          </a:p>
+        </p:txBody>
+      </p:sp>
+    </p:spTree>
+    <p:extLst>
+      <p:ext uri="{BB962C8B-B14F-4D97-AF65-F5344CB8AC3E}">
+        <p14:creationId xmlns:p14="http://schemas.microsoft.com/office/powerpoint/2010/main" val="1987827060"/>
+      </p:ext>
+    </p:extLst>
   </p:cSld>
   <p:clrMapOvr>
     <a:masterClrMapping/>
@@ -5461,11 +5866,7 @@
             </a:r>
             <a:r>
               <a:rPr lang="pt-BR" sz="4000" b="1" dirty="0"/>
-              <a:t>de </a:t>
-            </a:r>
-            <a:r>
-              <a:rPr lang="pt-BR" sz="4000" b="1" dirty="0"/>
-              <a:t>S</a:t>
+              <a:t>de S</a:t>
             </a:r>
             <a:r>
               <a:rPr lang="pt-BR" sz="4000" b="1" dirty="0" smtClean="0"/>
@@ -18448,283 +18849,13 @@
       </p:grpSp>
       <p:sp>
         <p:nvSpPr>
-          <p:cNvPr id="122" name="Google Shape;283;p17"/>
-          <p:cNvSpPr txBox="1">
-            <a:spLocks/>
-          </p:cNvSpPr>
-          <p:nvPr/>
-        </p:nvSpPr>
-        <p:spPr>
-          <a:xfrm>
-            <a:off x="514775" y="300700"/>
-            <a:ext cx="8114400" cy="513000"/>
-          </a:xfrm>
-          <a:prstGeom prst="rect">
-            <a:avLst/>
-          </a:prstGeom>
-        </p:spPr>
-        <p:txBody>
-          <a:bodyPr spcFirstLastPara="1" wrap="square" lIns="91425" tIns="91425" rIns="91425" bIns="91425" anchor="ctr" anchorCtr="0">
-            <a:noAutofit/>
-          </a:bodyPr>
-          <a:lstStyle>
-            <a:defPPr marR="0" lvl="0" algn="l" rtl="0">
-              <a:lnSpc>
-                <a:spcPct val="100000"/>
-              </a:lnSpc>
-              <a:spcBef>
-                <a:spcPts val="0"/>
-              </a:spcBef>
-              <a:spcAft>
-                <a:spcPts val="0"/>
-              </a:spcAft>
-            </a:defPPr>
-            <a:lvl1pPr marR="0" lvl="0" algn="l" rtl="0">
-              <a:lnSpc>
-                <a:spcPct val="100000"/>
-              </a:lnSpc>
-              <a:spcBef>
-                <a:spcPts val="0"/>
-              </a:spcBef>
-              <a:spcAft>
-                <a:spcPts val="0"/>
-              </a:spcAft>
-              <a:buClr>
-                <a:srgbClr val="000000"/>
-              </a:buClr>
-              <a:buFont typeface="Arial"/>
-              <a:defRPr sz="1400" b="0" i="0" u="none" strike="noStrike" cap="none">
-                <a:solidFill>
-                  <a:srgbClr val="000000"/>
-                </a:solidFill>
-                <a:latin typeface="Arial"/>
-                <a:ea typeface="Arial"/>
-                <a:cs typeface="Arial"/>
-                <a:sym typeface="Arial"/>
-              </a:defRPr>
-            </a:lvl1pPr>
-            <a:lvl2pPr marR="0" lvl="1" algn="l" rtl="0">
-              <a:lnSpc>
-                <a:spcPct val="100000"/>
-              </a:lnSpc>
-              <a:spcBef>
-                <a:spcPts val="0"/>
-              </a:spcBef>
-              <a:spcAft>
-                <a:spcPts val="0"/>
-              </a:spcAft>
-              <a:buClr>
-                <a:srgbClr val="000000"/>
-              </a:buClr>
-              <a:buFont typeface="Arial"/>
-              <a:defRPr sz="1400" b="0" i="0" u="none" strike="noStrike" cap="none">
-                <a:solidFill>
-                  <a:srgbClr val="000000"/>
-                </a:solidFill>
-                <a:latin typeface="Arial"/>
-                <a:ea typeface="Arial"/>
-                <a:cs typeface="Arial"/>
-                <a:sym typeface="Arial"/>
-              </a:defRPr>
-            </a:lvl2pPr>
-            <a:lvl3pPr marR="0" lvl="2" algn="l" rtl="0">
-              <a:lnSpc>
-                <a:spcPct val="100000"/>
-              </a:lnSpc>
-              <a:spcBef>
-                <a:spcPts val="0"/>
-              </a:spcBef>
-              <a:spcAft>
-                <a:spcPts val="0"/>
-              </a:spcAft>
-              <a:buClr>
-                <a:srgbClr val="000000"/>
-              </a:buClr>
-              <a:buFont typeface="Arial"/>
-              <a:defRPr sz="1400" b="0" i="0" u="none" strike="noStrike" cap="none">
-                <a:solidFill>
-                  <a:srgbClr val="000000"/>
-                </a:solidFill>
-                <a:latin typeface="Arial"/>
-                <a:ea typeface="Arial"/>
-                <a:cs typeface="Arial"/>
-                <a:sym typeface="Arial"/>
-              </a:defRPr>
-            </a:lvl3pPr>
-            <a:lvl4pPr marR="0" lvl="3" algn="l" rtl="0">
-              <a:lnSpc>
-                <a:spcPct val="100000"/>
-              </a:lnSpc>
-              <a:spcBef>
-                <a:spcPts val="0"/>
-              </a:spcBef>
-              <a:spcAft>
-                <a:spcPts val="0"/>
-              </a:spcAft>
-              <a:buClr>
-                <a:srgbClr val="000000"/>
-              </a:buClr>
-              <a:buFont typeface="Arial"/>
-              <a:defRPr sz="1400" b="0" i="0" u="none" strike="noStrike" cap="none">
-                <a:solidFill>
-                  <a:srgbClr val="000000"/>
-                </a:solidFill>
-                <a:latin typeface="Arial"/>
-                <a:ea typeface="Arial"/>
-                <a:cs typeface="Arial"/>
-                <a:sym typeface="Arial"/>
-              </a:defRPr>
-            </a:lvl4pPr>
-            <a:lvl5pPr marR="0" lvl="4" algn="l" rtl="0">
-              <a:lnSpc>
-                <a:spcPct val="100000"/>
-              </a:lnSpc>
-              <a:spcBef>
-                <a:spcPts val="0"/>
-              </a:spcBef>
-              <a:spcAft>
-                <a:spcPts val="0"/>
-              </a:spcAft>
-              <a:buClr>
-                <a:srgbClr val="000000"/>
-              </a:buClr>
-              <a:buFont typeface="Arial"/>
-              <a:defRPr sz="1400" b="0" i="0" u="none" strike="noStrike" cap="none">
-                <a:solidFill>
-                  <a:srgbClr val="000000"/>
-                </a:solidFill>
-                <a:latin typeface="Arial"/>
-                <a:ea typeface="Arial"/>
-                <a:cs typeface="Arial"/>
-                <a:sym typeface="Arial"/>
-              </a:defRPr>
-            </a:lvl5pPr>
-            <a:lvl6pPr marR="0" lvl="5" algn="l" rtl="0">
-              <a:lnSpc>
-                <a:spcPct val="100000"/>
-              </a:lnSpc>
-              <a:spcBef>
-                <a:spcPts val="0"/>
-              </a:spcBef>
-              <a:spcAft>
-                <a:spcPts val="0"/>
-              </a:spcAft>
-              <a:buClr>
-                <a:srgbClr val="000000"/>
-              </a:buClr>
-              <a:buFont typeface="Arial"/>
-              <a:defRPr sz="1400" b="0" i="0" u="none" strike="noStrike" cap="none">
-                <a:solidFill>
-                  <a:srgbClr val="000000"/>
-                </a:solidFill>
-                <a:latin typeface="Arial"/>
-                <a:ea typeface="Arial"/>
-                <a:cs typeface="Arial"/>
-                <a:sym typeface="Arial"/>
-              </a:defRPr>
-            </a:lvl6pPr>
-            <a:lvl7pPr marR="0" lvl="6" algn="l" rtl="0">
-              <a:lnSpc>
-                <a:spcPct val="100000"/>
-              </a:lnSpc>
-              <a:spcBef>
-                <a:spcPts val="0"/>
-              </a:spcBef>
-              <a:spcAft>
-                <a:spcPts val="0"/>
-              </a:spcAft>
-              <a:buClr>
-                <a:srgbClr val="000000"/>
-              </a:buClr>
-              <a:buFont typeface="Arial"/>
-              <a:defRPr sz="1400" b="0" i="0" u="none" strike="noStrike" cap="none">
-                <a:solidFill>
-                  <a:srgbClr val="000000"/>
-                </a:solidFill>
-                <a:latin typeface="Arial"/>
-                <a:ea typeface="Arial"/>
-                <a:cs typeface="Arial"/>
-                <a:sym typeface="Arial"/>
-              </a:defRPr>
-            </a:lvl7pPr>
-            <a:lvl8pPr marR="0" lvl="7" algn="l" rtl="0">
-              <a:lnSpc>
-                <a:spcPct val="100000"/>
-              </a:lnSpc>
-              <a:spcBef>
-                <a:spcPts val="0"/>
-              </a:spcBef>
-              <a:spcAft>
-                <a:spcPts val="0"/>
-              </a:spcAft>
-              <a:buClr>
-                <a:srgbClr val="000000"/>
-              </a:buClr>
-              <a:buFont typeface="Arial"/>
-              <a:defRPr sz="1400" b="0" i="0" u="none" strike="noStrike" cap="none">
-                <a:solidFill>
-                  <a:srgbClr val="000000"/>
-                </a:solidFill>
-                <a:latin typeface="Arial"/>
-                <a:ea typeface="Arial"/>
-                <a:cs typeface="Arial"/>
-                <a:sym typeface="Arial"/>
-              </a:defRPr>
-            </a:lvl8pPr>
-            <a:lvl9pPr marR="0" lvl="8" algn="l" rtl="0">
-              <a:lnSpc>
-                <a:spcPct val="100000"/>
-              </a:lnSpc>
-              <a:spcBef>
-                <a:spcPts val="0"/>
-              </a:spcBef>
-              <a:spcAft>
-                <a:spcPts val="0"/>
-              </a:spcAft>
-              <a:buClr>
-                <a:srgbClr val="000000"/>
-              </a:buClr>
-              <a:buFont typeface="Arial"/>
-              <a:defRPr sz="1400" b="0" i="0" u="none" strike="noStrike" cap="none">
-                <a:solidFill>
-                  <a:srgbClr val="000000"/>
-                </a:solidFill>
-                <a:latin typeface="Arial"/>
-                <a:ea typeface="Arial"/>
-                <a:cs typeface="Arial"/>
-                <a:sym typeface="Arial"/>
-              </a:defRPr>
-            </a:lvl9pPr>
-          </a:lstStyle>
-          <a:p>
-            <a:pPr algn="ctr">
-              <a:buSzPts val="1100"/>
-            </a:pPr>
-            <a:r>
-              <a:rPr lang="en-GB" sz="2800" b="1" dirty="0" smtClean="0">
-                <a:solidFill>
-                  <a:srgbClr val="9559F3"/>
-                </a:solidFill>
-              </a:rPr>
-              <a:t>Índice</a:t>
-            </a:r>
-            <a:endParaRPr lang="en-GB" sz="1600" b="1" dirty="0">
-              <a:solidFill>
-                <a:srgbClr val="9559F3"/>
-              </a:solidFill>
-            </a:endParaRPr>
-          </a:p>
-        </p:txBody>
-      </p:sp>
-      <p:sp>
-        <p:nvSpPr>
           <p:cNvPr id="125" name="Google Shape;591;p18"/>
           <p:cNvSpPr txBox="1"/>
           <p:nvPr/>
         </p:nvSpPr>
         <p:spPr>
           <a:xfrm flipH="1">
-            <a:off x="4080069" y="1762764"/>
+            <a:off x="4088850" y="1688910"/>
             <a:ext cx="4140750" cy="3026288"/>
           </a:xfrm>
           <a:prstGeom prst="rect">
@@ -18752,6 +18883,7 @@
               <a:rPr lang="pt-BR" sz="1600" dirty="0" smtClean="0"/>
               <a:t>Gerenciamento de contas de utilizadores e permissões.</a:t>
             </a:r>
+            <a:endParaRPr lang="pt-BR" sz="1600" dirty="0" smtClean="0"/>
           </a:p>
           <a:p>
             <a:pPr marL="285750" indent="-285750">
@@ -18776,7 +18908,19 @@
             </a:pPr>
             <a:r>
               <a:rPr lang="pt-BR" sz="1600" dirty="0" smtClean="0"/>
-              <a:t>Monitorização e otimização do sistema.</a:t>
+              <a:t>Monitorização </a:t>
+            </a:r>
+            <a:r>
+              <a:rPr lang="pt-BR" sz="1600" dirty="0" smtClean="0"/>
+              <a:t>e </a:t>
+            </a:r>
+            <a:r>
+              <a:rPr lang="pt-BR" sz="1600" dirty="0" smtClean="0"/>
+              <a:t>otimização </a:t>
+            </a:r>
+            <a:r>
+              <a:rPr lang="pt-BR" sz="1600" dirty="0" smtClean="0"/>
+              <a:t>do sistema.</a:t>
             </a:r>
           </a:p>
           <a:p>
@@ -18830,6 +18974,7 @@
               <a:rPr lang="pt-BR" sz="1600" dirty="0" smtClean="0"/>
               <a:t>Monitorização de segurança.</a:t>
             </a:r>
+            <a:endParaRPr lang="pt-BR" sz="1600" dirty="0" smtClean="0"/>
           </a:p>
           <a:p>
             <a:pPr marL="285750" indent="-285750">
@@ -18841,7 +18986,15 @@
             </a:pPr>
             <a:r>
               <a:rPr lang="pt-BR" sz="1600" dirty="0" smtClean="0"/>
-              <a:t>Planeamento de capacidade.</a:t>
+              <a:t>Planeamento de </a:t>
+            </a:r>
+            <a:r>
+              <a:rPr lang="pt-BR" sz="1600" dirty="0" smtClean="0"/>
+              <a:t>capacidade</a:t>
+            </a:r>
+            <a:r>
+              <a:rPr lang="pt-BR" sz="1600" dirty="0" smtClean="0"/>
+              <a:t>.</a:t>
             </a:r>
           </a:p>
           <a:p>
@@ -18864,6 +19017,482 @@
               <a:cs typeface="Roboto"/>
               <a:sym typeface="Roboto"/>
             </a:endParaRPr>
+          </a:p>
+        </p:txBody>
+      </p:sp>
+      <p:sp>
+        <p:nvSpPr>
+          <p:cNvPr id="93" name="Freeform 92"/>
+          <p:cNvSpPr/>
+          <p:nvPr/>
+        </p:nvSpPr>
+        <p:spPr>
+          <a:xfrm>
+            <a:off x="184935" y="174661"/>
+            <a:ext cx="8815226" cy="4839128"/>
+          </a:xfrm>
+          <a:custGeom>
+            <a:avLst/>
+            <a:gdLst/>
+            <a:ahLst/>
+            <a:cxnLst/>
+            <a:rect l="l" t="t" r="r" b="b"/>
+            <a:pathLst>
+              <a:path w="8815226" h="4839128">
+                <a:moveTo>
+                  <a:pt x="696666" y="0"/>
+                </a:moveTo>
+                <a:lnTo>
+                  <a:pt x="8090856" y="0"/>
+                </a:lnTo>
+                <a:lnTo>
+                  <a:pt x="7974761" y="232189"/>
+                </a:lnTo>
+                <a:lnTo>
+                  <a:pt x="8178186" y="639039"/>
+                </a:lnTo>
+                <a:lnTo>
+                  <a:pt x="8769033" y="639039"/>
+                </a:lnTo>
+                <a:lnTo>
+                  <a:pt x="8815226" y="546653"/>
+                </a:lnTo>
+                <a:lnTo>
+                  <a:pt x="8815226" y="4186791"/>
+                </a:lnTo>
+                <a:lnTo>
+                  <a:pt x="8769033" y="4094405"/>
+                </a:lnTo>
+                <a:lnTo>
+                  <a:pt x="8178186" y="4094405"/>
+                </a:lnTo>
+                <a:lnTo>
+                  <a:pt x="7974761" y="4501255"/>
+                </a:lnTo>
+                <a:lnTo>
+                  <a:pt x="8143698" y="4839128"/>
+                </a:lnTo>
+                <a:lnTo>
+                  <a:pt x="638791" y="4839128"/>
+                </a:lnTo>
+                <a:lnTo>
+                  <a:pt x="789955" y="4536801"/>
+                </a:lnTo>
+                <a:lnTo>
+                  <a:pt x="586530" y="4129951"/>
+                </a:lnTo>
+                <a:lnTo>
+                  <a:pt x="0" y="4129951"/>
+                </a:lnTo>
+                <a:lnTo>
+                  <a:pt x="0" y="602061"/>
+                </a:lnTo>
+                <a:lnTo>
+                  <a:pt x="18489" y="639039"/>
+                </a:lnTo>
+                <a:lnTo>
+                  <a:pt x="609336" y="639039"/>
+                </a:lnTo>
+                <a:lnTo>
+                  <a:pt x="812761" y="232189"/>
+                </a:lnTo>
+                <a:lnTo>
+                  <a:pt x="696666" y="0"/>
+                </a:lnTo>
+                <a:close/>
+                <a:moveTo>
+                  <a:pt x="3921027" y="193898"/>
+                </a:moveTo>
+                <a:lnTo>
+                  <a:pt x="3897280" y="245351"/>
+                </a:lnTo>
+                <a:lnTo>
+                  <a:pt x="3927910" y="245351"/>
+                </a:lnTo>
+                <a:lnTo>
+                  <a:pt x="3975233" y="193898"/>
+                </a:lnTo>
+                <a:lnTo>
+                  <a:pt x="3921027" y="193898"/>
+                </a:lnTo>
+                <a:close/>
+                <a:moveTo>
+                  <a:pt x="3903131" y="259806"/>
+                </a:moveTo>
+                <a:lnTo>
+                  <a:pt x="3903131" y="512079"/>
+                </a:lnTo>
+                <a:lnTo>
+                  <a:pt x="3954067" y="512079"/>
+                </a:lnTo>
+                <a:lnTo>
+                  <a:pt x="3954067" y="259806"/>
+                </a:lnTo>
+                <a:lnTo>
+                  <a:pt x="3903131" y="259806"/>
+                </a:lnTo>
+                <a:close/>
+                <a:moveTo>
+                  <a:pt x="4328388" y="259806"/>
+                </a:moveTo>
+                <a:lnTo>
+                  <a:pt x="4328388" y="350666"/>
+                </a:lnTo>
+                <a:cubicBezTo>
+                  <a:pt x="4313475" y="333687"/>
+                  <a:pt x="4295808" y="325197"/>
+                  <a:pt x="4275387" y="325197"/>
+                </a:cubicBezTo>
+                <a:cubicBezTo>
+                  <a:pt x="4253131" y="325197"/>
+                  <a:pt x="4234718" y="333257"/>
+                  <a:pt x="4220148" y="349375"/>
+                </a:cubicBezTo>
+                <a:cubicBezTo>
+                  <a:pt x="4205579" y="365493"/>
+                  <a:pt x="4198294" y="389040"/>
+                  <a:pt x="4198294" y="420015"/>
+                </a:cubicBezTo>
+                <a:cubicBezTo>
+                  <a:pt x="4198294" y="450301"/>
+                  <a:pt x="4205780" y="473905"/>
+                  <a:pt x="4220751" y="490827"/>
+                </a:cubicBezTo>
+                <a:cubicBezTo>
+                  <a:pt x="4235722" y="507748"/>
+                  <a:pt x="4253705" y="516209"/>
+                  <a:pt x="4274699" y="516209"/>
+                </a:cubicBezTo>
+                <a:cubicBezTo>
+                  <a:pt x="4285024" y="516209"/>
+                  <a:pt x="4295262" y="513656"/>
+                  <a:pt x="4305415" y="508551"/>
+                </a:cubicBezTo>
+                <a:cubicBezTo>
+                  <a:pt x="4315568" y="503446"/>
+                  <a:pt x="4324373" y="495674"/>
+                  <a:pt x="4331830" y="485234"/>
+                </a:cubicBezTo>
+                <a:lnTo>
+                  <a:pt x="4331830" y="512079"/>
+                </a:lnTo>
+                <a:lnTo>
+                  <a:pt x="4376744" y="512079"/>
+                </a:lnTo>
+                <a:lnTo>
+                  <a:pt x="4376744" y="259806"/>
+                </a:lnTo>
+                <a:lnTo>
+                  <a:pt x="4328388" y="259806"/>
+                </a:lnTo>
+                <a:close/>
+                <a:moveTo>
+                  <a:pt x="4428210" y="259806"/>
+                </a:moveTo>
+                <a:lnTo>
+                  <a:pt x="4428210" y="304548"/>
+                </a:lnTo>
+                <a:lnTo>
+                  <a:pt x="4476565" y="304548"/>
+                </a:lnTo>
+                <a:lnTo>
+                  <a:pt x="4476565" y="259806"/>
+                </a:lnTo>
+                <a:lnTo>
+                  <a:pt x="4428210" y="259806"/>
+                </a:lnTo>
+                <a:close/>
+                <a:moveTo>
+                  <a:pt x="4601414" y="325197"/>
+                </a:moveTo>
+                <a:cubicBezTo>
+                  <a:pt x="4574225" y="325197"/>
+                  <a:pt x="4552657" y="333601"/>
+                  <a:pt x="4536711" y="350408"/>
+                </a:cubicBezTo>
+                <a:cubicBezTo>
+                  <a:pt x="4520764" y="367214"/>
+                  <a:pt x="4512791" y="390704"/>
+                  <a:pt x="4512791" y="420875"/>
+                </a:cubicBezTo>
+                <a:cubicBezTo>
+                  <a:pt x="4512791" y="450703"/>
+                  <a:pt x="4520736" y="474049"/>
+                  <a:pt x="4536625" y="490913"/>
+                </a:cubicBezTo>
+                <a:cubicBezTo>
+                  <a:pt x="4552513" y="507777"/>
+                  <a:pt x="4573823" y="516209"/>
+                  <a:pt x="4600553" y="516209"/>
+                </a:cubicBezTo>
+                <a:cubicBezTo>
+                  <a:pt x="4624071" y="516209"/>
+                  <a:pt x="4642828" y="510645"/>
+                  <a:pt x="4656824" y="499517"/>
+                </a:cubicBezTo>
+                <a:cubicBezTo>
+                  <a:pt x="4670821" y="488389"/>
+                  <a:pt x="4680285" y="471926"/>
+                  <a:pt x="4685218" y="450129"/>
+                </a:cubicBezTo>
+                <a:lnTo>
+                  <a:pt x="4637723" y="442041"/>
+                </a:lnTo>
+                <a:cubicBezTo>
+                  <a:pt x="4635314" y="454776"/>
+                  <a:pt x="4631184" y="463753"/>
+                  <a:pt x="4625333" y="468972"/>
+                </a:cubicBezTo>
+                <a:cubicBezTo>
+                  <a:pt x="4619482" y="474192"/>
+                  <a:pt x="4611968" y="476802"/>
+                  <a:pt x="4602790" y="476802"/>
+                </a:cubicBezTo>
+                <a:cubicBezTo>
+                  <a:pt x="4590515" y="476802"/>
+                  <a:pt x="4580735" y="472328"/>
+                  <a:pt x="4573450" y="463380"/>
+                </a:cubicBezTo>
+                <a:cubicBezTo>
+                  <a:pt x="4566166" y="454431"/>
+                  <a:pt x="4562523" y="439116"/>
+                  <a:pt x="4562523" y="417434"/>
+                </a:cubicBezTo>
+                <a:cubicBezTo>
+                  <a:pt x="4562523" y="397931"/>
+                  <a:pt x="4566108" y="384021"/>
+                  <a:pt x="4573278" y="375704"/>
+                </a:cubicBezTo>
+                <a:cubicBezTo>
+                  <a:pt x="4580448" y="367386"/>
+                  <a:pt x="4590056" y="363228"/>
+                  <a:pt x="4602102" y="363228"/>
+                </a:cubicBezTo>
+                <a:cubicBezTo>
+                  <a:pt x="4611165" y="363228"/>
+                  <a:pt x="4618536" y="365637"/>
+                  <a:pt x="4624215" y="370455"/>
+                </a:cubicBezTo>
+                <a:cubicBezTo>
+                  <a:pt x="4629893" y="375273"/>
+                  <a:pt x="4633536" y="382444"/>
+                  <a:pt x="4635142" y="391965"/>
+                </a:cubicBezTo>
+                <a:lnTo>
+                  <a:pt x="4682809" y="383361"/>
+                </a:lnTo>
+                <a:cubicBezTo>
+                  <a:pt x="4677073" y="363744"/>
+                  <a:pt x="4667637" y="349146"/>
+                  <a:pt x="4654501" y="339566"/>
+                </a:cubicBezTo>
+                <a:cubicBezTo>
+                  <a:pt x="4641366" y="329987"/>
+                  <a:pt x="4623670" y="325197"/>
+                  <a:pt x="4601414" y="325197"/>
+                </a:cubicBezTo>
+                <a:close/>
+                <a:moveTo>
+                  <a:pt x="4793179" y="325197"/>
+                </a:moveTo>
+                <a:cubicBezTo>
+                  <a:pt x="4768972" y="325197"/>
+                  <a:pt x="4748954" y="333773"/>
+                  <a:pt x="4733122" y="350924"/>
+                </a:cubicBezTo>
+                <a:cubicBezTo>
+                  <a:pt x="4717290" y="368075"/>
+                  <a:pt x="4709375" y="391793"/>
+                  <a:pt x="4709375" y="422080"/>
+                </a:cubicBezTo>
+                <a:cubicBezTo>
+                  <a:pt x="4709375" y="447433"/>
+                  <a:pt x="4715397" y="468427"/>
+                  <a:pt x="4727443" y="485062"/>
+                </a:cubicBezTo>
+                <a:cubicBezTo>
+                  <a:pt x="4742701" y="505827"/>
+                  <a:pt x="4766219" y="516209"/>
+                  <a:pt x="4797997" y="516209"/>
+                </a:cubicBezTo>
+                <a:cubicBezTo>
+                  <a:pt x="4818073" y="516209"/>
+                  <a:pt x="4834794" y="511591"/>
+                  <a:pt x="4848159" y="502356"/>
+                </a:cubicBezTo>
+                <a:cubicBezTo>
+                  <a:pt x="4861524" y="493121"/>
+                  <a:pt x="4871304" y="479670"/>
+                  <a:pt x="4877499" y="462003"/>
+                </a:cubicBezTo>
+                <a:lnTo>
+                  <a:pt x="4829316" y="453915"/>
+                </a:lnTo>
+                <a:cubicBezTo>
+                  <a:pt x="4826678" y="463093"/>
+                  <a:pt x="4822777" y="469747"/>
+                  <a:pt x="4817614" y="473877"/>
+                </a:cubicBezTo>
+                <a:cubicBezTo>
+                  <a:pt x="4812452" y="478007"/>
+                  <a:pt x="4806085" y="480072"/>
+                  <a:pt x="4798513" y="480072"/>
+                </a:cubicBezTo>
+                <a:cubicBezTo>
+                  <a:pt x="4787385" y="480072"/>
+                  <a:pt x="4778093" y="476085"/>
+                  <a:pt x="4770636" y="468112"/>
+                </a:cubicBezTo>
+                <a:cubicBezTo>
+                  <a:pt x="4763179" y="460139"/>
+                  <a:pt x="4759278" y="448982"/>
+                  <a:pt x="4758934" y="434642"/>
+                </a:cubicBezTo>
+                <a:lnTo>
+                  <a:pt x="4880080" y="434642"/>
+                </a:lnTo>
+                <a:cubicBezTo>
+                  <a:pt x="4880769" y="397587"/>
+                  <a:pt x="4873254" y="370082"/>
+                  <a:pt x="4857538" y="352128"/>
+                </a:cubicBezTo>
+                <a:cubicBezTo>
+                  <a:pt x="4841821" y="334174"/>
+                  <a:pt x="4820368" y="325197"/>
+                  <a:pt x="4793179" y="325197"/>
+                </a:cubicBezTo>
+                <a:close/>
+                <a:moveTo>
+                  <a:pt x="4428210" y="329327"/>
+                </a:moveTo>
+                <a:lnTo>
+                  <a:pt x="4428210" y="512079"/>
+                </a:lnTo>
+                <a:lnTo>
+                  <a:pt x="4476565" y="512079"/>
+                </a:lnTo>
+                <a:lnTo>
+                  <a:pt x="4476565" y="329327"/>
+                </a:lnTo>
+                <a:lnTo>
+                  <a:pt x="4428210" y="329327"/>
+                </a:lnTo>
+                <a:close/>
+                <a:moveTo>
+                  <a:pt x="4094858" y="325197"/>
+                </a:moveTo>
+                <a:cubicBezTo>
+                  <a:pt x="4070652" y="325197"/>
+                  <a:pt x="4050576" y="335522"/>
+                  <a:pt x="4034630" y="356172"/>
+                </a:cubicBezTo>
+                <a:lnTo>
+                  <a:pt x="4034630" y="329327"/>
+                </a:lnTo>
+                <a:lnTo>
+                  <a:pt x="3989716" y="329327"/>
+                </a:lnTo>
+                <a:lnTo>
+                  <a:pt x="3989716" y="512079"/>
+                </a:lnTo>
+                <a:lnTo>
+                  <a:pt x="4038071" y="512079"/>
+                </a:lnTo>
+                <a:lnTo>
+                  <a:pt x="4038071" y="429307"/>
+                </a:lnTo>
+                <a:cubicBezTo>
+                  <a:pt x="4038071" y="408887"/>
+                  <a:pt x="4039305" y="394891"/>
+                  <a:pt x="4041771" y="387319"/>
+                </a:cubicBezTo>
+                <a:cubicBezTo>
+                  <a:pt x="4044238" y="379748"/>
+                  <a:pt x="4048798" y="373667"/>
+                  <a:pt x="4055452" y="369078"/>
+                </a:cubicBezTo>
+                <a:cubicBezTo>
+                  <a:pt x="4062105" y="364490"/>
+                  <a:pt x="4069620" y="362195"/>
+                  <a:pt x="4077994" y="362195"/>
+                </a:cubicBezTo>
+                <a:cubicBezTo>
+                  <a:pt x="4084533" y="362195"/>
+                  <a:pt x="4090126" y="363801"/>
+                  <a:pt x="4094772" y="367013"/>
+                </a:cubicBezTo>
+                <a:cubicBezTo>
+                  <a:pt x="4099419" y="370226"/>
+                  <a:pt x="4102774" y="374729"/>
+                  <a:pt x="4104839" y="380522"/>
+                </a:cubicBezTo>
+                <a:cubicBezTo>
+                  <a:pt x="4106904" y="386315"/>
+                  <a:pt x="4107937" y="399078"/>
+                  <a:pt x="4107937" y="418810"/>
+                </a:cubicBezTo>
+                <a:lnTo>
+                  <a:pt x="4107937" y="512079"/>
+                </a:lnTo>
+                <a:lnTo>
+                  <a:pt x="4156292" y="512079"/>
+                </a:lnTo>
+                <a:lnTo>
+                  <a:pt x="4156292" y="398505"/>
+                </a:lnTo>
+                <a:cubicBezTo>
+                  <a:pt x="4156292" y="384394"/>
+                  <a:pt x="4155403" y="373553"/>
+                  <a:pt x="4153625" y="365981"/>
+                </a:cubicBezTo>
+                <a:cubicBezTo>
+                  <a:pt x="4151847" y="358409"/>
+                  <a:pt x="4148692" y="351641"/>
+                  <a:pt x="4144160" y="345675"/>
+                </a:cubicBezTo>
+                <a:cubicBezTo>
+                  <a:pt x="4139629" y="339710"/>
+                  <a:pt x="4132946" y="334805"/>
+                  <a:pt x="4124112" y="330962"/>
+                </a:cubicBezTo>
+                <a:cubicBezTo>
+                  <a:pt x="4115279" y="327119"/>
+                  <a:pt x="4105528" y="325197"/>
+                  <a:pt x="4094858" y="325197"/>
+                </a:cubicBezTo>
+                <a:close/>
+              </a:path>
+            </a:pathLst>
+          </a:custGeom>
+          <a:noFill/>
+          <a:ln>
+            <a:solidFill>
+              <a:srgbClr val="965FF4"/>
+            </a:solidFill>
+          </a:ln>
+        </p:spPr>
+        <p:style>
+          <a:lnRef idx="2">
+            <a:schemeClr val="accent1">
+              <a:shade val="50000"/>
+            </a:schemeClr>
+          </a:lnRef>
+          <a:fillRef idx="1">
+            <a:schemeClr val="accent1"/>
+          </a:fillRef>
+          <a:effectRef idx="0">
+            <a:schemeClr val="accent1"/>
+          </a:effectRef>
+          <a:fontRef idx="minor">
+            <a:schemeClr val="lt1"/>
+          </a:fontRef>
+        </p:style>
+        <p:txBody>
+          <a:bodyPr rtlCol="0" anchor="ctr"/>
+          <a:lstStyle/>
+          <a:p>
+            <a:pPr algn="ctr"/>
+            <a:endParaRPr lang="en-GB"/>
           </a:p>
         </p:txBody>
       </p:sp>
@@ -18897,10 +19526,3428 @@
           <a:chExt cx="0" cy="0"/>
         </a:xfrm>
       </p:grpSpPr>
+      <p:sp>
+        <p:nvSpPr>
+          <p:cNvPr id="93" name="Freeform 92"/>
+          <p:cNvSpPr/>
+          <p:nvPr/>
+        </p:nvSpPr>
+        <p:spPr>
+          <a:xfrm>
+            <a:off x="174661" y="215758"/>
+            <a:ext cx="8815226" cy="4839128"/>
+          </a:xfrm>
+          <a:custGeom>
+            <a:avLst/>
+            <a:gdLst/>
+            <a:ahLst/>
+            <a:cxnLst/>
+            <a:rect l="l" t="t" r="r" b="b"/>
+            <a:pathLst>
+              <a:path w="8815226" h="4839128">
+                <a:moveTo>
+                  <a:pt x="696666" y="0"/>
+                </a:moveTo>
+                <a:lnTo>
+                  <a:pt x="8090856" y="0"/>
+                </a:lnTo>
+                <a:lnTo>
+                  <a:pt x="7974761" y="232189"/>
+                </a:lnTo>
+                <a:lnTo>
+                  <a:pt x="8178186" y="639039"/>
+                </a:lnTo>
+                <a:lnTo>
+                  <a:pt x="8769033" y="639039"/>
+                </a:lnTo>
+                <a:lnTo>
+                  <a:pt x="8815226" y="546653"/>
+                </a:lnTo>
+                <a:lnTo>
+                  <a:pt x="8815226" y="4186791"/>
+                </a:lnTo>
+                <a:lnTo>
+                  <a:pt x="8769033" y="4094405"/>
+                </a:lnTo>
+                <a:lnTo>
+                  <a:pt x="8178186" y="4094405"/>
+                </a:lnTo>
+                <a:lnTo>
+                  <a:pt x="7974761" y="4501255"/>
+                </a:lnTo>
+                <a:lnTo>
+                  <a:pt x="8143698" y="4839128"/>
+                </a:lnTo>
+                <a:lnTo>
+                  <a:pt x="638791" y="4839128"/>
+                </a:lnTo>
+                <a:lnTo>
+                  <a:pt x="789955" y="4536801"/>
+                </a:lnTo>
+                <a:lnTo>
+                  <a:pt x="586530" y="4129951"/>
+                </a:lnTo>
+                <a:lnTo>
+                  <a:pt x="0" y="4129951"/>
+                </a:lnTo>
+                <a:lnTo>
+                  <a:pt x="0" y="602061"/>
+                </a:lnTo>
+                <a:lnTo>
+                  <a:pt x="18489" y="639039"/>
+                </a:lnTo>
+                <a:lnTo>
+                  <a:pt x="609336" y="639039"/>
+                </a:lnTo>
+                <a:lnTo>
+                  <a:pt x="812761" y="232189"/>
+                </a:lnTo>
+                <a:lnTo>
+                  <a:pt x="696666" y="0"/>
+                </a:lnTo>
+                <a:close/>
+                <a:moveTo>
+                  <a:pt x="3921027" y="193898"/>
+                </a:moveTo>
+                <a:lnTo>
+                  <a:pt x="3897280" y="245351"/>
+                </a:lnTo>
+                <a:lnTo>
+                  <a:pt x="3927910" y="245351"/>
+                </a:lnTo>
+                <a:lnTo>
+                  <a:pt x="3975233" y="193898"/>
+                </a:lnTo>
+                <a:lnTo>
+                  <a:pt x="3921027" y="193898"/>
+                </a:lnTo>
+                <a:close/>
+                <a:moveTo>
+                  <a:pt x="3903131" y="259806"/>
+                </a:moveTo>
+                <a:lnTo>
+                  <a:pt x="3903131" y="512079"/>
+                </a:lnTo>
+                <a:lnTo>
+                  <a:pt x="3954067" y="512079"/>
+                </a:lnTo>
+                <a:lnTo>
+                  <a:pt x="3954067" y="259806"/>
+                </a:lnTo>
+                <a:lnTo>
+                  <a:pt x="3903131" y="259806"/>
+                </a:lnTo>
+                <a:close/>
+                <a:moveTo>
+                  <a:pt x="4328388" y="259806"/>
+                </a:moveTo>
+                <a:lnTo>
+                  <a:pt x="4328388" y="350666"/>
+                </a:lnTo>
+                <a:cubicBezTo>
+                  <a:pt x="4313475" y="333687"/>
+                  <a:pt x="4295808" y="325197"/>
+                  <a:pt x="4275387" y="325197"/>
+                </a:cubicBezTo>
+                <a:cubicBezTo>
+                  <a:pt x="4253131" y="325197"/>
+                  <a:pt x="4234718" y="333257"/>
+                  <a:pt x="4220148" y="349375"/>
+                </a:cubicBezTo>
+                <a:cubicBezTo>
+                  <a:pt x="4205579" y="365493"/>
+                  <a:pt x="4198294" y="389040"/>
+                  <a:pt x="4198294" y="420015"/>
+                </a:cubicBezTo>
+                <a:cubicBezTo>
+                  <a:pt x="4198294" y="450301"/>
+                  <a:pt x="4205780" y="473905"/>
+                  <a:pt x="4220751" y="490827"/>
+                </a:cubicBezTo>
+                <a:cubicBezTo>
+                  <a:pt x="4235722" y="507748"/>
+                  <a:pt x="4253705" y="516209"/>
+                  <a:pt x="4274699" y="516209"/>
+                </a:cubicBezTo>
+                <a:cubicBezTo>
+                  <a:pt x="4285024" y="516209"/>
+                  <a:pt x="4295262" y="513656"/>
+                  <a:pt x="4305415" y="508551"/>
+                </a:cubicBezTo>
+                <a:cubicBezTo>
+                  <a:pt x="4315568" y="503446"/>
+                  <a:pt x="4324373" y="495674"/>
+                  <a:pt x="4331830" y="485234"/>
+                </a:cubicBezTo>
+                <a:lnTo>
+                  <a:pt x="4331830" y="512079"/>
+                </a:lnTo>
+                <a:lnTo>
+                  <a:pt x="4376744" y="512079"/>
+                </a:lnTo>
+                <a:lnTo>
+                  <a:pt x="4376744" y="259806"/>
+                </a:lnTo>
+                <a:lnTo>
+                  <a:pt x="4328388" y="259806"/>
+                </a:lnTo>
+                <a:close/>
+                <a:moveTo>
+                  <a:pt x="4428210" y="259806"/>
+                </a:moveTo>
+                <a:lnTo>
+                  <a:pt x="4428210" y="304548"/>
+                </a:lnTo>
+                <a:lnTo>
+                  <a:pt x="4476565" y="304548"/>
+                </a:lnTo>
+                <a:lnTo>
+                  <a:pt x="4476565" y="259806"/>
+                </a:lnTo>
+                <a:lnTo>
+                  <a:pt x="4428210" y="259806"/>
+                </a:lnTo>
+                <a:close/>
+                <a:moveTo>
+                  <a:pt x="4601414" y="325197"/>
+                </a:moveTo>
+                <a:cubicBezTo>
+                  <a:pt x="4574225" y="325197"/>
+                  <a:pt x="4552657" y="333601"/>
+                  <a:pt x="4536711" y="350408"/>
+                </a:cubicBezTo>
+                <a:cubicBezTo>
+                  <a:pt x="4520764" y="367214"/>
+                  <a:pt x="4512791" y="390704"/>
+                  <a:pt x="4512791" y="420875"/>
+                </a:cubicBezTo>
+                <a:cubicBezTo>
+                  <a:pt x="4512791" y="450703"/>
+                  <a:pt x="4520736" y="474049"/>
+                  <a:pt x="4536625" y="490913"/>
+                </a:cubicBezTo>
+                <a:cubicBezTo>
+                  <a:pt x="4552513" y="507777"/>
+                  <a:pt x="4573823" y="516209"/>
+                  <a:pt x="4600553" y="516209"/>
+                </a:cubicBezTo>
+                <a:cubicBezTo>
+                  <a:pt x="4624071" y="516209"/>
+                  <a:pt x="4642828" y="510645"/>
+                  <a:pt x="4656824" y="499517"/>
+                </a:cubicBezTo>
+                <a:cubicBezTo>
+                  <a:pt x="4670821" y="488389"/>
+                  <a:pt x="4680285" y="471926"/>
+                  <a:pt x="4685218" y="450129"/>
+                </a:cubicBezTo>
+                <a:lnTo>
+                  <a:pt x="4637723" y="442041"/>
+                </a:lnTo>
+                <a:cubicBezTo>
+                  <a:pt x="4635314" y="454776"/>
+                  <a:pt x="4631184" y="463753"/>
+                  <a:pt x="4625333" y="468972"/>
+                </a:cubicBezTo>
+                <a:cubicBezTo>
+                  <a:pt x="4619482" y="474192"/>
+                  <a:pt x="4611968" y="476802"/>
+                  <a:pt x="4602790" y="476802"/>
+                </a:cubicBezTo>
+                <a:cubicBezTo>
+                  <a:pt x="4590515" y="476802"/>
+                  <a:pt x="4580735" y="472328"/>
+                  <a:pt x="4573450" y="463380"/>
+                </a:cubicBezTo>
+                <a:cubicBezTo>
+                  <a:pt x="4566166" y="454431"/>
+                  <a:pt x="4562523" y="439116"/>
+                  <a:pt x="4562523" y="417434"/>
+                </a:cubicBezTo>
+                <a:cubicBezTo>
+                  <a:pt x="4562523" y="397931"/>
+                  <a:pt x="4566108" y="384021"/>
+                  <a:pt x="4573278" y="375704"/>
+                </a:cubicBezTo>
+                <a:cubicBezTo>
+                  <a:pt x="4580448" y="367386"/>
+                  <a:pt x="4590056" y="363228"/>
+                  <a:pt x="4602102" y="363228"/>
+                </a:cubicBezTo>
+                <a:cubicBezTo>
+                  <a:pt x="4611165" y="363228"/>
+                  <a:pt x="4618536" y="365637"/>
+                  <a:pt x="4624215" y="370455"/>
+                </a:cubicBezTo>
+                <a:cubicBezTo>
+                  <a:pt x="4629893" y="375273"/>
+                  <a:pt x="4633536" y="382444"/>
+                  <a:pt x="4635142" y="391965"/>
+                </a:cubicBezTo>
+                <a:lnTo>
+                  <a:pt x="4682809" y="383361"/>
+                </a:lnTo>
+                <a:cubicBezTo>
+                  <a:pt x="4677073" y="363744"/>
+                  <a:pt x="4667637" y="349146"/>
+                  <a:pt x="4654501" y="339566"/>
+                </a:cubicBezTo>
+                <a:cubicBezTo>
+                  <a:pt x="4641366" y="329987"/>
+                  <a:pt x="4623670" y="325197"/>
+                  <a:pt x="4601414" y="325197"/>
+                </a:cubicBezTo>
+                <a:close/>
+                <a:moveTo>
+                  <a:pt x="4793179" y="325197"/>
+                </a:moveTo>
+                <a:cubicBezTo>
+                  <a:pt x="4768972" y="325197"/>
+                  <a:pt x="4748954" y="333773"/>
+                  <a:pt x="4733122" y="350924"/>
+                </a:cubicBezTo>
+                <a:cubicBezTo>
+                  <a:pt x="4717290" y="368075"/>
+                  <a:pt x="4709375" y="391793"/>
+                  <a:pt x="4709375" y="422080"/>
+                </a:cubicBezTo>
+                <a:cubicBezTo>
+                  <a:pt x="4709375" y="447433"/>
+                  <a:pt x="4715397" y="468427"/>
+                  <a:pt x="4727443" y="485062"/>
+                </a:cubicBezTo>
+                <a:cubicBezTo>
+                  <a:pt x="4742701" y="505827"/>
+                  <a:pt x="4766219" y="516209"/>
+                  <a:pt x="4797997" y="516209"/>
+                </a:cubicBezTo>
+                <a:cubicBezTo>
+                  <a:pt x="4818073" y="516209"/>
+                  <a:pt x="4834794" y="511591"/>
+                  <a:pt x="4848159" y="502356"/>
+                </a:cubicBezTo>
+                <a:cubicBezTo>
+                  <a:pt x="4861524" y="493121"/>
+                  <a:pt x="4871304" y="479670"/>
+                  <a:pt x="4877499" y="462003"/>
+                </a:cubicBezTo>
+                <a:lnTo>
+                  <a:pt x="4829316" y="453915"/>
+                </a:lnTo>
+                <a:cubicBezTo>
+                  <a:pt x="4826678" y="463093"/>
+                  <a:pt x="4822777" y="469747"/>
+                  <a:pt x="4817614" y="473877"/>
+                </a:cubicBezTo>
+                <a:cubicBezTo>
+                  <a:pt x="4812452" y="478007"/>
+                  <a:pt x="4806085" y="480072"/>
+                  <a:pt x="4798513" y="480072"/>
+                </a:cubicBezTo>
+                <a:cubicBezTo>
+                  <a:pt x="4787385" y="480072"/>
+                  <a:pt x="4778093" y="476085"/>
+                  <a:pt x="4770636" y="468112"/>
+                </a:cubicBezTo>
+                <a:cubicBezTo>
+                  <a:pt x="4763179" y="460139"/>
+                  <a:pt x="4759278" y="448982"/>
+                  <a:pt x="4758934" y="434642"/>
+                </a:cubicBezTo>
+                <a:lnTo>
+                  <a:pt x="4880080" y="434642"/>
+                </a:lnTo>
+                <a:cubicBezTo>
+                  <a:pt x="4880769" y="397587"/>
+                  <a:pt x="4873254" y="370082"/>
+                  <a:pt x="4857538" y="352128"/>
+                </a:cubicBezTo>
+                <a:cubicBezTo>
+                  <a:pt x="4841821" y="334174"/>
+                  <a:pt x="4820368" y="325197"/>
+                  <a:pt x="4793179" y="325197"/>
+                </a:cubicBezTo>
+                <a:close/>
+                <a:moveTo>
+                  <a:pt x="4428210" y="329327"/>
+                </a:moveTo>
+                <a:lnTo>
+                  <a:pt x="4428210" y="512079"/>
+                </a:lnTo>
+                <a:lnTo>
+                  <a:pt x="4476565" y="512079"/>
+                </a:lnTo>
+                <a:lnTo>
+                  <a:pt x="4476565" y="329327"/>
+                </a:lnTo>
+                <a:lnTo>
+                  <a:pt x="4428210" y="329327"/>
+                </a:lnTo>
+                <a:close/>
+                <a:moveTo>
+                  <a:pt x="4094858" y="325197"/>
+                </a:moveTo>
+                <a:cubicBezTo>
+                  <a:pt x="4070652" y="325197"/>
+                  <a:pt x="4050576" y="335522"/>
+                  <a:pt x="4034630" y="356172"/>
+                </a:cubicBezTo>
+                <a:lnTo>
+                  <a:pt x="4034630" y="329327"/>
+                </a:lnTo>
+                <a:lnTo>
+                  <a:pt x="3989716" y="329327"/>
+                </a:lnTo>
+                <a:lnTo>
+                  <a:pt x="3989716" y="512079"/>
+                </a:lnTo>
+                <a:lnTo>
+                  <a:pt x="4038071" y="512079"/>
+                </a:lnTo>
+                <a:lnTo>
+                  <a:pt x="4038071" y="429307"/>
+                </a:lnTo>
+                <a:cubicBezTo>
+                  <a:pt x="4038071" y="408887"/>
+                  <a:pt x="4039305" y="394891"/>
+                  <a:pt x="4041771" y="387319"/>
+                </a:cubicBezTo>
+                <a:cubicBezTo>
+                  <a:pt x="4044238" y="379748"/>
+                  <a:pt x="4048798" y="373667"/>
+                  <a:pt x="4055452" y="369078"/>
+                </a:cubicBezTo>
+                <a:cubicBezTo>
+                  <a:pt x="4062105" y="364490"/>
+                  <a:pt x="4069620" y="362195"/>
+                  <a:pt x="4077994" y="362195"/>
+                </a:cubicBezTo>
+                <a:cubicBezTo>
+                  <a:pt x="4084533" y="362195"/>
+                  <a:pt x="4090126" y="363801"/>
+                  <a:pt x="4094772" y="367013"/>
+                </a:cubicBezTo>
+                <a:cubicBezTo>
+                  <a:pt x="4099419" y="370226"/>
+                  <a:pt x="4102774" y="374729"/>
+                  <a:pt x="4104839" y="380522"/>
+                </a:cubicBezTo>
+                <a:cubicBezTo>
+                  <a:pt x="4106904" y="386315"/>
+                  <a:pt x="4107937" y="399078"/>
+                  <a:pt x="4107937" y="418810"/>
+                </a:cubicBezTo>
+                <a:lnTo>
+                  <a:pt x="4107937" y="512079"/>
+                </a:lnTo>
+                <a:lnTo>
+                  <a:pt x="4156292" y="512079"/>
+                </a:lnTo>
+                <a:lnTo>
+                  <a:pt x="4156292" y="398505"/>
+                </a:lnTo>
+                <a:cubicBezTo>
+                  <a:pt x="4156292" y="384394"/>
+                  <a:pt x="4155403" y="373553"/>
+                  <a:pt x="4153625" y="365981"/>
+                </a:cubicBezTo>
+                <a:cubicBezTo>
+                  <a:pt x="4151847" y="358409"/>
+                  <a:pt x="4148692" y="351641"/>
+                  <a:pt x="4144160" y="345675"/>
+                </a:cubicBezTo>
+                <a:cubicBezTo>
+                  <a:pt x="4139629" y="339710"/>
+                  <a:pt x="4132946" y="334805"/>
+                  <a:pt x="4124112" y="330962"/>
+                </a:cubicBezTo>
+                <a:cubicBezTo>
+                  <a:pt x="4115279" y="327119"/>
+                  <a:pt x="4105528" y="325197"/>
+                  <a:pt x="4094858" y="325197"/>
+                </a:cubicBezTo>
+                <a:close/>
+              </a:path>
+            </a:pathLst>
+          </a:custGeom>
+          <a:noFill/>
+          <a:ln>
+            <a:solidFill>
+              <a:srgbClr val="965FF4"/>
+            </a:solidFill>
+          </a:ln>
+        </p:spPr>
+        <p:style>
+          <a:lnRef idx="2">
+            <a:schemeClr val="accent1">
+              <a:shade val="50000"/>
+            </a:schemeClr>
+          </a:lnRef>
+          <a:fillRef idx="1">
+            <a:schemeClr val="accent1"/>
+          </a:fillRef>
+          <a:effectRef idx="0">
+            <a:schemeClr val="accent1"/>
+          </a:effectRef>
+          <a:fontRef idx="minor">
+            <a:schemeClr val="lt1"/>
+          </a:fontRef>
+        </p:style>
+        <p:txBody>
+          <a:bodyPr rtlCol="0" anchor="ctr"/>
+          <a:lstStyle/>
+          <a:p>
+            <a:pPr algn="ctr"/>
+            <a:endParaRPr lang="en-GB"/>
+          </a:p>
+        </p:txBody>
+      </p:sp>
+      <p:sp>
+        <p:nvSpPr>
+          <p:cNvPr id="5" name="Rectangle 4"/>
+          <p:cNvSpPr/>
+          <p:nvPr/>
+        </p:nvSpPr>
+        <p:spPr>
+          <a:xfrm>
+            <a:off x="3760341" y="341986"/>
+            <a:ext cx="1479479" cy="626723"/>
+          </a:xfrm>
+          <a:prstGeom prst="rect">
+            <a:avLst/>
+          </a:prstGeom>
+          <a:solidFill>
+            <a:schemeClr val="bg1"/>
+          </a:solidFill>
+          <a:ln>
+            <a:solidFill>
+              <a:schemeClr val="bg1"/>
+            </a:solidFill>
+          </a:ln>
+        </p:spPr>
+        <p:style>
+          <a:lnRef idx="2">
+            <a:schemeClr val="accent1">
+              <a:shade val="50000"/>
+            </a:schemeClr>
+          </a:lnRef>
+          <a:fillRef idx="1">
+            <a:schemeClr val="accent1"/>
+          </a:fillRef>
+          <a:effectRef idx="0">
+            <a:schemeClr val="accent1"/>
+          </a:effectRef>
+          <a:fontRef idx="minor">
+            <a:schemeClr val="lt1"/>
+          </a:fontRef>
+        </p:style>
+        <p:txBody>
+          <a:bodyPr rtlCol="0" anchor="ctr"/>
+          <a:lstStyle/>
+          <a:p>
+            <a:pPr algn="ctr"/>
+            <a:endParaRPr lang="en-GB"/>
+          </a:p>
+        </p:txBody>
+      </p:sp>
+      <p:sp>
+        <p:nvSpPr>
+          <p:cNvPr id="81" name="Google Shape;196;p16"/>
+          <p:cNvSpPr txBox="1"/>
+          <p:nvPr/>
+        </p:nvSpPr>
+        <p:spPr>
+          <a:xfrm>
+            <a:off x="3195691" y="375747"/>
+            <a:ext cx="3011468" cy="279600"/>
+          </a:xfrm>
+          <a:prstGeom prst="rect">
+            <a:avLst/>
+          </a:prstGeom>
+          <a:noFill/>
+          <a:ln>
+            <a:noFill/>
+          </a:ln>
+        </p:spPr>
+        <p:txBody>
+          <a:bodyPr spcFirstLastPara="1" wrap="square" lIns="91425" tIns="91425" rIns="91425" bIns="91425" anchor="ctr" anchorCtr="0">
+            <a:noAutofit/>
+          </a:bodyPr>
+          <a:lstStyle/>
+          <a:p>
+            <a:pPr algn="ctr"/>
+            <a:r>
+              <a:rPr lang="en-GB" sz="2000" b="1" dirty="0"/>
+              <a:t>Criação de </a:t>
+            </a:r>
+            <a:r>
+              <a:rPr lang="en-GB" sz="2000" b="1" dirty="0" smtClean="0"/>
+              <a:t>utilizadores</a:t>
+            </a:r>
+            <a:endParaRPr lang="en-GB" sz="2000" b="1" dirty="0"/>
+          </a:p>
+        </p:txBody>
+      </p:sp>
+      <p:sp>
+        <p:nvSpPr>
+          <p:cNvPr id="6" name="Rectangle 5"/>
+          <p:cNvSpPr/>
+          <p:nvPr/>
+        </p:nvSpPr>
+        <p:spPr>
+          <a:xfrm>
+            <a:off x="1191802" y="4522950"/>
+            <a:ext cx="7019247" cy="307777"/>
+          </a:xfrm>
+          <a:prstGeom prst="rect">
+            <a:avLst/>
+          </a:prstGeom>
+        </p:spPr>
+        <p:txBody>
+          <a:bodyPr wrap="square">
+            <a:spAutoFit/>
+          </a:bodyPr>
+          <a:lstStyle/>
+          <a:p>
+            <a:pPr algn="ctr"/>
+            <a:r>
+              <a:rPr lang="en-GB" b="1" dirty="0" smtClean="0">
+                <a:solidFill>
+                  <a:srgbClr val="FF0000"/>
+                </a:solidFill>
+              </a:rPr>
+              <a:t>“</a:t>
+            </a:r>
+            <a:r>
+              <a:rPr lang="en-GB" b="1" dirty="0" smtClean="0"/>
+              <a:t>New-ADUSER </a:t>
+            </a:r>
+            <a:r>
+              <a:rPr lang="en-GB" b="1" dirty="0" smtClean="0">
+                <a:solidFill>
+                  <a:srgbClr val="FF0000"/>
+                </a:solidFill>
+              </a:rPr>
+              <a:t>Rajendra</a:t>
+            </a:r>
+            <a:r>
+              <a:rPr lang="en-GB" b="1" dirty="0" smtClean="0"/>
+              <a:t> –UserPrincipalName rajendra@lab.loc</a:t>
+            </a:r>
+            <a:r>
+              <a:rPr lang="en-GB" b="1" dirty="0" smtClean="0">
+                <a:solidFill>
+                  <a:schemeClr val="tx1"/>
+                </a:solidFill>
+              </a:rPr>
+              <a:t>al</a:t>
+            </a:r>
+            <a:r>
+              <a:rPr lang="en-GB" b="1" dirty="0" smtClean="0">
+                <a:solidFill>
+                  <a:srgbClr val="FF0000"/>
+                </a:solidFill>
+              </a:rPr>
+              <a:t>”</a:t>
+            </a:r>
+            <a:endParaRPr lang="en-GB" b="1" dirty="0">
+              <a:solidFill>
+                <a:srgbClr val="FF0000"/>
+              </a:solidFill>
+            </a:endParaRPr>
+          </a:p>
+        </p:txBody>
+      </p:sp>
     </p:spTree>
     <p:extLst>
       <p:ext uri="{BB962C8B-B14F-4D97-AF65-F5344CB8AC3E}">
-        <p14:creationId xmlns:p14="http://schemas.microsoft.com/office/powerpoint/2010/main" val="2223673401"/>
+        <p14:creationId xmlns:p14="http://schemas.microsoft.com/office/powerpoint/2010/main" val="3753367135"/>
+      </p:ext>
+    </p:extLst>
+  </p:cSld>
+  <p:clrMapOvr>
+    <a:masterClrMapping/>
+  </p:clrMapOvr>
+</p:sld>
+</file>
+
+<file path=ppt/slides/slide4.xml><?xml version="1.0" encoding="utf-8"?>
+<p:sld xmlns:a="http://schemas.openxmlformats.org/drawingml/2006/main" xmlns:r="http://schemas.openxmlformats.org/officeDocument/2006/relationships" xmlns:p="http://schemas.openxmlformats.org/presentationml/2006/main">
+  <p:cSld>
+    <p:spTree>
+      <p:nvGrpSpPr>
+        <p:cNvPr id="1" name=""/>
+        <p:cNvGrpSpPr/>
+        <p:nvPr/>
+      </p:nvGrpSpPr>
+      <p:grpSpPr>
+        <a:xfrm>
+          <a:off x="0" y="0"/>
+          <a:ext cx="0" cy="0"/>
+          <a:chOff x="0" y="0"/>
+          <a:chExt cx="0" cy="0"/>
+        </a:xfrm>
+      </p:grpSpPr>
+      <p:sp>
+        <p:nvSpPr>
+          <p:cNvPr id="93" name="Freeform 92"/>
+          <p:cNvSpPr/>
+          <p:nvPr/>
+        </p:nvSpPr>
+        <p:spPr>
+          <a:xfrm>
+            <a:off x="174661" y="215758"/>
+            <a:ext cx="8815226" cy="4839128"/>
+          </a:xfrm>
+          <a:custGeom>
+            <a:avLst/>
+            <a:gdLst/>
+            <a:ahLst/>
+            <a:cxnLst/>
+            <a:rect l="l" t="t" r="r" b="b"/>
+            <a:pathLst>
+              <a:path w="8815226" h="4839128">
+                <a:moveTo>
+                  <a:pt x="696666" y="0"/>
+                </a:moveTo>
+                <a:lnTo>
+                  <a:pt x="8090856" y="0"/>
+                </a:lnTo>
+                <a:lnTo>
+                  <a:pt x="7974761" y="232189"/>
+                </a:lnTo>
+                <a:lnTo>
+                  <a:pt x="8178186" y="639039"/>
+                </a:lnTo>
+                <a:lnTo>
+                  <a:pt x="8769033" y="639039"/>
+                </a:lnTo>
+                <a:lnTo>
+                  <a:pt x="8815226" y="546653"/>
+                </a:lnTo>
+                <a:lnTo>
+                  <a:pt x="8815226" y="4186791"/>
+                </a:lnTo>
+                <a:lnTo>
+                  <a:pt x="8769033" y="4094405"/>
+                </a:lnTo>
+                <a:lnTo>
+                  <a:pt x="8178186" y="4094405"/>
+                </a:lnTo>
+                <a:lnTo>
+                  <a:pt x="7974761" y="4501255"/>
+                </a:lnTo>
+                <a:lnTo>
+                  <a:pt x="8143698" y="4839128"/>
+                </a:lnTo>
+                <a:lnTo>
+                  <a:pt x="638791" y="4839128"/>
+                </a:lnTo>
+                <a:lnTo>
+                  <a:pt x="789955" y="4536801"/>
+                </a:lnTo>
+                <a:lnTo>
+                  <a:pt x="586530" y="4129951"/>
+                </a:lnTo>
+                <a:lnTo>
+                  <a:pt x="0" y="4129951"/>
+                </a:lnTo>
+                <a:lnTo>
+                  <a:pt x="0" y="602061"/>
+                </a:lnTo>
+                <a:lnTo>
+                  <a:pt x="18489" y="639039"/>
+                </a:lnTo>
+                <a:lnTo>
+                  <a:pt x="609336" y="639039"/>
+                </a:lnTo>
+                <a:lnTo>
+                  <a:pt x="812761" y="232189"/>
+                </a:lnTo>
+                <a:lnTo>
+                  <a:pt x="696666" y="0"/>
+                </a:lnTo>
+                <a:close/>
+                <a:moveTo>
+                  <a:pt x="3921027" y="193898"/>
+                </a:moveTo>
+                <a:lnTo>
+                  <a:pt x="3897280" y="245351"/>
+                </a:lnTo>
+                <a:lnTo>
+                  <a:pt x="3927910" y="245351"/>
+                </a:lnTo>
+                <a:lnTo>
+                  <a:pt x="3975233" y="193898"/>
+                </a:lnTo>
+                <a:lnTo>
+                  <a:pt x="3921027" y="193898"/>
+                </a:lnTo>
+                <a:close/>
+                <a:moveTo>
+                  <a:pt x="3903131" y="259806"/>
+                </a:moveTo>
+                <a:lnTo>
+                  <a:pt x="3903131" y="512079"/>
+                </a:lnTo>
+                <a:lnTo>
+                  <a:pt x="3954067" y="512079"/>
+                </a:lnTo>
+                <a:lnTo>
+                  <a:pt x="3954067" y="259806"/>
+                </a:lnTo>
+                <a:lnTo>
+                  <a:pt x="3903131" y="259806"/>
+                </a:lnTo>
+                <a:close/>
+                <a:moveTo>
+                  <a:pt x="4328388" y="259806"/>
+                </a:moveTo>
+                <a:lnTo>
+                  <a:pt x="4328388" y="350666"/>
+                </a:lnTo>
+                <a:cubicBezTo>
+                  <a:pt x="4313475" y="333687"/>
+                  <a:pt x="4295808" y="325197"/>
+                  <a:pt x="4275387" y="325197"/>
+                </a:cubicBezTo>
+                <a:cubicBezTo>
+                  <a:pt x="4253131" y="325197"/>
+                  <a:pt x="4234718" y="333257"/>
+                  <a:pt x="4220148" y="349375"/>
+                </a:cubicBezTo>
+                <a:cubicBezTo>
+                  <a:pt x="4205579" y="365493"/>
+                  <a:pt x="4198294" y="389040"/>
+                  <a:pt x="4198294" y="420015"/>
+                </a:cubicBezTo>
+                <a:cubicBezTo>
+                  <a:pt x="4198294" y="450301"/>
+                  <a:pt x="4205780" y="473905"/>
+                  <a:pt x="4220751" y="490827"/>
+                </a:cubicBezTo>
+                <a:cubicBezTo>
+                  <a:pt x="4235722" y="507748"/>
+                  <a:pt x="4253705" y="516209"/>
+                  <a:pt x="4274699" y="516209"/>
+                </a:cubicBezTo>
+                <a:cubicBezTo>
+                  <a:pt x="4285024" y="516209"/>
+                  <a:pt x="4295262" y="513656"/>
+                  <a:pt x="4305415" y="508551"/>
+                </a:cubicBezTo>
+                <a:cubicBezTo>
+                  <a:pt x="4315568" y="503446"/>
+                  <a:pt x="4324373" y="495674"/>
+                  <a:pt x="4331830" y="485234"/>
+                </a:cubicBezTo>
+                <a:lnTo>
+                  <a:pt x="4331830" y="512079"/>
+                </a:lnTo>
+                <a:lnTo>
+                  <a:pt x="4376744" y="512079"/>
+                </a:lnTo>
+                <a:lnTo>
+                  <a:pt x="4376744" y="259806"/>
+                </a:lnTo>
+                <a:lnTo>
+                  <a:pt x="4328388" y="259806"/>
+                </a:lnTo>
+                <a:close/>
+                <a:moveTo>
+                  <a:pt x="4428210" y="259806"/>
+                </a:moveTo>
+                <a:lnTo>
+                  <a:pt x="4428210" y="304548"/>
+                </a:lnTo>
+                <a:lnTo>
+                  <a:pt x="4476565" y="304548"/>
+                </a:lnTo>
+                <a:lnTo>
+                  <a:pt x="4476565" y="259806"/>
+                </a:lnTo>
+                <a:lnTo>
+                  <a:pt x="4428210" y="259806"/>
+                </a:lnTo>
+                <a:close/>
+                <a:moveTo>
+                  <a:pt x="4601414" y="325197"/>
+                </a:moveTo>
+                <a:cubicBezTo>
+                  <a:pt x="4574225" y="325197"/>
+                  <a:pt x="4552657" y="333601"/>
+                  <a:pt x="4536711" y="350408"/>
+                </a:cubicBezTo>
+                <a:cubicBezTo>
+                  <a:pt x="4520764" y="367214"/>
+                  <a:pt x="4512791" y="390704"/>
+                  <a:pt x="4512791" y="420875"/>
+                </a:cubicBezTo>
+                <a:cubicBezTo>
+                  <a:pt x="4512791" y="450703"/>
+                  <a:pt x="4520736" y="474049"/>
+                  <a:pt x="4536625" y="490913"/>
+                </a:cubicBezTo>
+                <a:cubicBezTo>
+                  <a:pt x="4552513" y="507777"/>
+                  <a:pt x="4573823" y="516209"/>
+                  <a:pt x="4600553" y="516209"/>
+                </a:cubicBezTo>
+                <a:cubicBezTo>
+                  <a:pt x="4624071" y="516209"/>
+                  <a:pt x="4642828" y="510645"/>
+                  <a:pt x="4656824" y="499517"/>
+                </a:cubicBezTo>
+                <a:cubicBezTo>
+                  <a:pt x="4670821" y="488389"/>
+                  <a:pt x="4680285" y="471926"/>
+                  <a:pt x="4685218" y="450129"/>
+                </a:cubicBezTo>
+                <a:lnTo>
+                  <a:pt x="4637723" y="442041"/>
+                </a:lnTo>
+                <a:cubicBezTo>
+                  <a:pt x="4635314" y="454776"/>
+                  <a:pt x="4631184" y="463753"/>
+                  <a:pt x="4625333" y="468972"/>
+                </a:cubicBezTo>
+                <a:cubicBezTo>
+                  <a:pt x="4619482" y="474192"/>
+                  <a:pt x="4611968" y="476802"/>
+                  <a:pt x="4602790" y="476802"/>
+                </a:cubicBezTo>
+                <a:cubicBezTo>
+                  <a:pt x="4590515" y="476802"/>
+                  <a:pt x="4580735" y="472328"/>
+                  <a:pt x="4573450" y="463380"/>
+                </a:cubicBezTo>
+                <a:cubicBezTo>
+                  <a:pt x="4566166" y="454431"/>
+                  <a:pt x="4562523" y="439116"/>
+                  <a:pt x="4562523" y="417434"/>
+                </a:cubicBezTo>
+                <a:cubicBezTo>
+                  <a:pt x="4562523" y="397931"/>
+                  <a:pt x="4566108" y="384021"/>
+                  <a:pt x="4573278" y="375704"/>
+                </a:cubicBezTo>
+                <a:cubicBezTo>
+                  <a:pt x="4580448" y="367386"/>
+                  <a:pt x="4590056" y="363228"/>
+                  <a:pt x="4602102" y="363228"/>
+                </a:cubicBezTo>
+                <a:cubicBezTo>
+                  <a:pt x="4611165" y="363228"/>
+                  <a:pt x="4618536" y="365637"/>
+                  <a:pt x="4624215" y="370455"/>
+                </a:cubicBezTo>
+                <a:cubicBezTo>
+                  <a:pt x="4629893" y="375273"/>
+                  <a:pt x="4633536" y="382444"/>
+                  <a:pt x="4635142" y="391965"/>
+                </a:cubicBezTo>
+                <a:lnTo>
+                  <a:pt x="4682809" y="383361"/>
+                </a:lnTo>
+                <a:cubicBezTo>
+                  <a:pt x="4677073" y="363744"/>
+                  <a:pt x="4667637" y="349146"/>
+                  <a:pt x="4654501" y="339566"/>
+                </a:cubicBezTo>
+                <a:cubicBezTo>
+                  <a:pt x="4641366" y="329987"/>
+                  <a:pt x="4623670" y="325197"/>
+                  <a:pt x="4601414" y="325197"/>
+                </a:cubicBezTo>
+                <a:close/>
+                <a:moveTo>
+                  <a:pt x="4793179" y="325197"/>
+                </a:moveTo>
+                <a:cubicBezTo>
+                  <a:pt x="4768972" y="325197"/>
+                  <a:pt x="4748954" y="333773"/>
+                  <a:pt x="4733122" y="350924"/>
+                </a:cubicBezTo>
+                <a:cubicBezTo>
+                  <a:pt x="4717290" y="368075"/>
+                  <a:pt x="4709375" y="391793"/>
+                  <a:pt x="4709375" y="422080"/>
+                </a:cubicBezTo>
+                <a:cubicBezTo>
+                  <a:pt x="4709375" y="447433"/>
+                  <a:pt x="4715397" y="468427"/>
+                  <a:pt x="4727443" y="485062"/>
+                </a:cubicBezTo>
+                <a:cubicBezTo>
+                  <a:pt x="4742701" y="505827"/>
+                  <a:pt x="4766219" y="516209"/>
+                  <a:pt x="4797997" y="516209"/>
+                </a:cubicBezTo>
+                <a:cubicBezTo>
+                  <a:pt x="4818073" y="516209"/>
+                  <a:pt x="4834794" y="511591"/>
+                  <a:pt x="4848159" y="502356"/>
+                </a:cubicBezTo>
+                <a:cubicBezTo>
+                  <a:pt x="4861524" y="493121"/>
+                  <a:pt x="4871304" y="479670"/>
+                  <a:pt x="4877499" y="462003"/>
+                </a:cubicBezTo>
+                <a:lnTo>
+                  <a:pt x="4829316" y="453915"/>
+                </a:lnTo>
+                <a:cubicBezTo>
+                  <a:pt x="4826678" y="463093"/>
+                  <a:pt x="4822777" y="469747"/>
+                  <a:pt x="4817614" y="473877"/>
+                </a:cubicBezTo>
+                <a:cubicBezTo>
+                  <a:pt x="4812452" y="478007"/>
+                  <a:pt x="4806085" y="480072"/>
+                  <a:pt x="4798513" y="480072"/>
+                </a:cubicBezTo>
+                <a:cubicBezTo>
+                  <a:pt x="4787385" y="480072"/>
+                  <a:pt x="4778093" y="476085"/>
+                  <a:pt x="4770636" y="468112"/>
+                </a:cubicBezTo>
+                <a:cubicBezTo>
+                  <a:pt x="4763179" y="460139"/>
+                  <a:pt x="4759278" y="448982"/>
+                  <a:pt x="4758934" y="434642"/>
+                </a:cubicBezTo>
+                <a:lnTo>
+                  <a:pt x="4880080" y="434642"/>
+                </a:lnTo>
+                <a:cubicBezTo>
+                  <a:pt x="4880769" y="397587"/>
+                  <a:pt x="4873254" y="370082"/>
+                  <a:pt x="4857538" y="352128"/>
+                </a:cubicBezTo>
+                <a:cubicBezTo>
+                  <a:pt x="4841821" y="334174"/>
+                  <a:pt x="4820368" y="325197"/>
+                  <a:pt x="4793179" y="325197"/>
+                </a:cubicBezTo>
+                <a:close/>
+                <a:moveTo>
+                  <a:pt x="4428210" y="329327"/>
+                </a:moveTo>
+                <a:lnTo>
+                  <a:pt x="4428210" y="512079"/>
+                </a:lnTo>
+                <a:lnTo>
+                  <a:pt x="4476565" y="512079"/>
+                </a:lnTo>
+                <a:lnTo>
+                  <a:pt x="4476565" y="329327"/>
+                </a:lnTo>
+                <a:lnTo>
+                  <a:pt x="4428210" y="329327"/>
+                </a:lnTo>
+                <a:close/>
+                <a:moveTo>
+                  <a:pt x="4094858" y="325197"/>
+                </a:moveTo>
+                <a:cubicBezTo>
+                  <a:pt x="4070652" y="325197"/>
+                  <a:pt x="4050576" y="335522"/>
+                  <a:pt x="4034630" y="356172"/>
+                </a:cubicBezTo>
+                <a:lnTo>
+                  <a:pt x="4034630" y="329327"/>
+                </a:lnTo>
+                <a:lnTo>
+                  <a:pt x="3989716" y="329327"/>
+                </a:lnTo>
+                <a:lnTo>
+                  <a:pt x="3989716" y="512079"/>
+                </a:lnTo>
+                <a:lnTo>
+                  <a:pt x="4038071" y="512079"/>
+                </a:lnTo>
+                <a:lnTo>
+                  <a:pt x="4038071" y="429307"/>
+                </a:lnTo>
+                <a:cubicBezTo>
+                  <a:pt x="4038071" y="408887"/>
+                  <a:pt x="4039305" y="394891"/>
+                  <a:pt x="4041771" y="387319"/>
+                </a:cubicBezTo>
+                <a:cubicBezTo>
+                  <a:pt x="4044238" y="379748"/>
+                  <a:pt x="4048798" y="373667"/>
+                  <a:pt x="4055452" y="369078"/>
+                </a:cubicBezTo>
+                <a:cubicBezTo>
+                  <a:pt x="4062105" y="364490"/>
+                  <a:pt x="4069620" y="362195"/>
+                  <a:pt x="4077994" y="362195"/>
+                </a:cubicBezTo>
+                <a:cubicBezTo>
+                  <a:pt x="4084533" y="362195"/>
+                  <a:pt x="4090126" y="363801"/>
+                  <a:pt x="4094772" y="367013"/>
+                </a:cubicBezTo>
+                <a:cubicBezTo>
+                  <a:pt x="4099419" y="370226"/>
+                  <a:pt x="4102774" y="374729"/>
+                  <a:pt x="4104839" y="380522"/>
+                </a:cubicBezTo>
+                <a:cubicBezTo>
+                  <a:pt x="4106904" y="386315"/>
+                  <a:pt x="4107937" y="399078"/>
+                  <a:pt x="4107937" y="418810"/>
+                </a:cubicBezTo>
+                <a:lnTo>
+                  <a:pt x="4107937" y="512079"/>
+                </a:lnTo>
+                <a:lnTo>
+                  <a:pt x="4156292" y="512079"/>
+                </a:lnTo>
+                <a:lnTo>
+                  <a:pt x="4156292" y="398505"/>
+                </a:lnTo>
+                <a:cubicBezTo>
+                  <a:pt x="4156292" y="384394"/>
+                  <a:pt x="4155403" y="373553"/>
+                  <a:pt x="4153625" y="365981"/>
+                </a:cubicBezTo>
+                <a:cubicBezTo>
+                  <a:pt x="4151847" y="358409"/>
+                  <a:pt x="4148692" y="351641"/>
+                  <a:pt x="4144160" y="345675"/>
+                </a:cubicBezTo>
+                <a:cubicBezTo>
+                  <a:pt x="4139629" y="339710"/>
+                  <a:pt x="4132946" y="334805"/>
+                  <a:pt x="4124112" y="330962"/>
+                </a:cubicBezTo>
+                <a:cubicBezTo>
+                  <a:pt x="4115279" y="327119"/>
+                  <a:pt x="4105528" y="325197"/>
+                  <a:pt x="4094858" y="325197"/>
+                </a:cubicBezTo>
+                <a:close/>
+              </a:path>
+            </a:pathLst>
+          </a:custGeom>
+          <a:noFill/>
+          <a:ln>
+            <a:solidFill>
+              <a:srgbClr val="965FF4"/>
+            </a:solidFill>
+          </a:ln>
+        </p:spPr>
+        <p:style>
+          <a:lnRef idx="2">
+            <a:schemeClr val="accent1">
+              <a:shade val="50000"/>
+            </a:schemeClr>
+          </a:lnRef>
+          <a:fillRef idx="1">
+            <a:schemeClr val="accent1"/>
+          </a:fillRef>
+          <a:effectRef idx="0">
+            <a:schemeClr val="accent1"/>
+          </a:effectRef>
+          <a:fontRef idx="minor">
+            <a:schemeClr val="lt1"/>
+          </a:fontRef>
+        </p:style>
+        <p:txBody>
+          <a:bodyPr rtlCol="0" anchor="ctr"/>
+          <a:lstStyle/>
+          <a:p>
+            <a:pPr algn="ctr"/>
+            <a:endParaRPr lang="en-GB"/>
+          </a:p>
+        </p:txBody>
+      </p:sp>
+      <p:sp>
+        <p:nvSpPr>
+          <p:cNvPr id="5" name="Rectangle 4"/>
+          <p:cNvSpPr/>
+          <p:nvPr/>
+        </p:nvSpPr>
+        <p:spPr>
+          <a:xfrm>
+            <a:off x="3760341" y="341986"/>
+            <a:ext cx="1479479" cy="626723"/>
+          </a:xfrm>
+          <a:prstGeom prst="rect">
+            <a:avLst/>
+          </a:prstGeom>
+          <a:solidFill>
+            <a:schemeClr val="bg1"/>
+          </a:solidFill>
+          <a:ln>
+            <a:solidFill>
+              <a:schemeClr val="bg1"/>
+            </a:solidFill>
+          </a:ln>
+        </p:spPr>
+        <p:style>
+          <a:lnRef idx="2">
+            <a:schemeClr val="accent1">
+              <a:shade val="50000"/>
+            </a:schemeClr>
+          </a:lnRef>
+          <a:fillRef idx="1">
+            <a:schemeClr val="accent1"/>
+          </a:fillRef>
+          <a:effectRef idx="0">
+            <a:schemeClr val="accent1"/>
+          </a:effectRef>
+          <a:fontRef idx="minor">
+            <a:schemeClr val="lt1"/>
+          </a:fontRef>
+        </p:style>
+        <p:txBody>
+          <a:bodyPr rtlCol="0" anchor="ctr"/>
+          <a:lstStyle/>
+          <a:p>
+            <a:pPr algn="ctr"/>
+            <a:endParaRPr lang="en-GB"/>
+          </a:p>
+        </p:txBody>
+      </p:sp>
+      <p:sp>
+        <p:nvSpPr>
+          <p:cNvPr id="81" name="Google Shape;196;p16"/>
+          <p:cNvSpPr txBox="1"/>
+          <p:nvPr/>
+        </p:nvSpPr>
+        <p:spPr>
+          <a:xfrm>
+            <a:off x="2574888" y="375747"/>
+            <a:ext cx="4561298" cy="279600"/>
+          </a:xfrm>
+          <a:prstGeom prst="rect">
+            <a:avLst/>
+          </a:prstGeom>
+          <a:noFill/>
+          <a:ln>
+            <a:noFill/>
+          </a:ln>
+        </p:spPr>
+        <p:txBody>
+          <a:bodyPr spcFirstLastPara="1" wrap="square" lIns="91425" tIns="91425" rIns="91425" bIns="91425" anchor="ctr" anchorCtr="0">
+            <a:noAutofit/>
+          </a:bodyPr>
+          <a:lstStyle/>
+          <a:p>
+            <a:pPr algn="ctr"/>
+            <a:r>
+              <a:rPr lang="en-GB" sz="2000" b="1" dirty="0" smtClean="0"/>
+              <a:t>Definir Uma Senha Para utilizadores</a:t>
+            </a:r>
+            <a:endParaRPr lang="en-GB" sz="2000" b="1" dirty="0"/>
+          </a:p>
+        </p:txBody>
+      </p:sp>
+      <p:sp>
+        <p:nvSpPr>
+          <p:cNvPr id="6" name="Rectangle 5"/>
+          <p:cNvSpPr/>
+          <p:nvPr/>
+        </p:nvSpPr>
+        <p:spPr>
+          <a:xfrm>
+            <a:off x="1191802" y="4522950"/>
+            <a:ext cx="7019247" cy="307777"/>
+          </a:xfrm>
+          <a:prstGeom prst="rect">
+            <a:avLst/>
+          </a:prstGeom>
+        </p:spPr>
+        <p:txBody>
+          <a:bodyPr wrap="square">
+            <a:spAutoFit/>
+          </a:bodyPr>
+          <a:lstStyle/>
+          <a:p>
+            <a:pPr algn="ctr"/>
+            <a:r>
+              <a:rPr lang="en-GB" b="1" dirty="0" smtClean="0">
+                <a:solidFill>
+                  <a:srgbClr val="FF0000"/>
+                </a:solidFill>
+              </a:rPr>
+              <a:t>“</a:t>
+            </a:r>
+            <a:r>
+              <a:rPr lang="en-GB" b="1" dirty="0" smtClean="0">
+                <a:solidFill>
+                  <a:schemeClr val="tx1"/>
+                </a:solidFill>
+              </a:rPr>
+              <a:t>Set-</a:t>
+            </a:r>
+            <a:r>
+              <a:rPr lang="en-GB" b="1" dirty="0" err="1" smtClean="0">
+                <a:solidFill>
+                  <a:schemeClr val="tx1"/>
+                </a:solidFill>
+              </a:rPr>
+              <a:t>AccountPassword</a:t>
+            </a:r>
+            <a:r>
+              <a:rPr lang="en-GB" b="1" dirty="0">
+                <a:solidFill>
+                  <a:schemeClr val="tx1"/>
+                </a:solidFill>
+              </a:rPr>
+              <a:t> </a:t>
+            </a:r>
+            <a:r>
+              <a:rPr lang="en-GB" b="1" dirty="0" smtClean="0">
+                <a:solidFill>
+                  <a:schemeClr val="tx1"/>
+                </a:solidFill>
+              </a:rPr>
+              <a:t>–Identity </a:t>
+            </a:r>
+            <a:r>
+              <a:rPr lang="en-GB" b="1" dirty="0" smtClean="0">
+                <a:solidFill>
+                  <a:srgbClr val="FF0000"/>
+                </a:solidFill>
+              </a:rPr>
+              <a:t>Rajendra”</a:t>
+            </a:r>
+            <a:endParaRPr lang="en-GB" b="1" dirty="0">
+              <a:solidFill>
+                <a:srgbClr val="FF0000"/>
+              </a:solidFill>
+            </a:endParaRPr>
+          </a:p>
+        </p:txBody>
+      </p:sp>
+    </p:spTree>
+    <p:extLst>
+      <p:ext uri="{BB962C8B-B14F-4D97-AF65-F5344CB8AC3E}">
+        <p14:creationId xmlns:p14="http://schemas.microsoft.com/office/powerpoint/2010/main" val="2844756601"/>
+      </p:ext>
+    </p:extLst>
+  </p:cSld>
+  <p:clrMapOvr>
+    <a:masterClrMapping/>
+  </p:clrMapOvr>
+</p:sld>
+</file>
+
+<file path=ppt/slides/slide5.xml><?xml version="1.0" encoding="utf-8"?>
+<p:sld xmlns:a="http://schemas.openxmlformats.org/drawingml/2006/main" xmlns:r="http://schemas.openxmlformats.org/officeDocument/2006/relationships" xmlns:p="http://schemas.openxmlformats.org/presentationml/2006/main">
+  <p:cSld>
+    <p:spTree>
+      <p:nvGrpSpPr>
+        <p:cNvPr id="1" name=""/>
+        <p:cNvGrpSpPr/>
+        <p:nvPr/>
+      </p:nvGrpSpPr>
+      <p:grpSpPr>
+        <a:xfrm>
+          <a:off x="0" y="0"/>
+          <a:ext cx="0" cy="0"/>
+          <a:chOff x="0" y="0"/>
+          <a:chExt cx="0" cy="0"/>
+        </a:xfrm>
+      </p:grpSpPr>
+      <p:sp>
+        <p:nvSpPr>
+          <p:cNvPr id="93" name="Freeform 92"/>
+          <p:cNvSpPr/>
+          <p:nvPr/>
+        </p:nvSpPr>
+        <p:spPr>
+          <a:xfrm>
+            <a:off x="174661" y="215758"/>
+            <a:ext cx="8815226" cy="4839128"/>
+          </a:xfrm>
+          <a:custGeom>
+            <a:avLst/>
+            <a:gdLst/>
+            <a:ahLst/>
+            <a:cxnLst/>
+            <a:rect l="l" t="t" r="r" b="b"/>
+            <a:pathLst>
+              <a:path w="8815226" h="4839128">
+                <a:moveTo>
+                  <a:pt x="696666" y="0"/>
+                </a:moveTo>
+                <a:lnTo>
+                  <a:pt x="8090856" y="0"/>
+                </a:lnTo>
+                <a:lnTo>
+                  <a:pt x="7974761" y="232189"/>
+                </a:lnTo>
+                <a:lnTo>
+                  <a:pt x="8178186" y="639039"/>
+                </a:lnTo>
+                <a:lnTo>
+                  <a:pt x="8769033" y="639039"/>
+                </a:lnTo>
+                <a:lnTo>
+                  <a:pt x="8815226" y="546653"/>
+                </a:lnTo>
+                <a:lnTo>
+                  <a:pt x="8815226" y="4186791"/>
+                </a:lnTo>
+                <a:lnTo>
+                  <a:pt x="8769033" y="4094405"/>
+                </a:lnTo>
+                <a:lnTo>
+                  <a:pt x="8178186" y="4094405"/>
+                </a:lnTo>
+                <a:lnTo>
+                  <a:pt x="7974761" y="4501255"/>
+                </a:lnTo>
+                <a:lnTo>
+                  <a:pt x="8143698" y="4839128"/>
+                </a:lnTo>
+                <a:lnTo>
+                  <a:pt x="638791" y="4839128"/>
+                </a:lnTo>
+                <a:lnTo>
+                  <a:pt x="789955" y="4536801"/>
+                </a:lnTo>
+                <a:lnTo>
+                  <a:pt x="586530" y="4129951"/>
+                </a:lnTo>
+                <a:lnTo>
+                  <a:pt x="0" y="4129951"/>
+                </a:lnTo>
+                <a:lnTo>
+                  <a:pt x="0" y="602061"/>
+                </a:lnTo>
+                <a:lnTo>
+                  <a:pt x="18489" y="639039"/>
+                </a:lnTo>
+                <a:lnTo>
+                  <a:pt x="609336" y="639039"/>
+                </a:lnTo>
+                <a:lnTo>
+                  <a:pt x="812761" y="232189"/>
+                </a:lnTo>
+                <a:lnTo>
+                  <a:pt x="696666" y="0"/>
+                </a:lnTo>
+                <a:close/>
+                <a:moveTo>
+                  <a:pt x="3921027" y="193898"/>
+                </a:moveTo>
+                <a:lnTo>
+                  <a:pt x="3897280" y="245351"/>
+                </a:lnTo>
+                <a:lnTo>
+                  <a:pt x="3927910" y="245351"/>
+                </a:lnTo>
+                <a:lnTo>
+                  <a:pt x="3975233" y="193898"/>
+                </a:lnTo>
+                <a:lnTo>
+                  <a:pt x="3921027" y="193898"/>
+                </a:lnTo>
+                <a:close/>
+                <a:moveTo>
+                  <a:pt x="3903131" y="259806"/>
+                </a:moveTo>
+                <a:lnTo>
+                  <a:pt x="3903131" y="512079"/>
+                </a:lnTo>
+                <a:lnTo>
+                  <a:pt x="3954067" y="512079"/>
+                </a:lnTo>
+                <a:lnTo>
+                  <a:pt x="3954067" y="259806"/>
+                </a:lnTo>
+                <a:lnTo>
+                  <a:pt x="3903131" y="259806"/>
+                </a:lnTo>
+                <a:close/>
+                <a:moveTo>
+                  <a:pt x="4328388" y="259806"/>
+                </a:moveTo>
+                <a:lnTo>
+                  <a:pt x="4328388" y="350666"/>
+                </a:lnTo>
+                <a:cubicBezTo>
+                  <a:pt x="4313475" y="333687"/>
+                  <a:pt x="4295808" y="325197"/>
+                  <a:pt x="4275387" y="325197"/>
+                </a:cubicBezTo>
+                <a:cubicBezTo>
+                  <a:pt x="4253131" y="325197"/>
+                  <a:pt x="4234718" y="333257"/>
+                  <a:pt x="4220148" y="349375"/>
+                </a:cubicBezTo>
+                <a:cubicBezTo>
+                  <a:pt x="4205579" y="365493"/>
+                  <a:pt x="4198294" y="389040"/>
+                  <a:pt x="4198294" y="420015"/>
+                </a:cubicBezTo>
+                <a:cubicBezTo>
+                  <a:pt x="4198294" y="450301"/>
+                  <a:pt x="4205780" y="473905"/>
+                  <a:pt x="4220751" y="490827"/>
+                </a:cubicBezTo>
+                <a:cubicBezTo>
+                  <a:pt x="4235722" y="507748"/>
+                  <a:pt x="4253705" y="516209"/>
+                  <a:pt x="4274699" y="516209"/>
+                </a:cubicBezTo>
+                <a:cubicBezTo>
+                  <a:pt x="4285024" y="516209"/>
+                  <a:pt x="4295262" y="513656"/>
+                  <a:pt x="4305415" y="508551"/>
+                </a:cubicBezTo>
+                <a:cubicBezTo>
+                  <a:pt x="4315568" y="503446"/>
+                  <a:pt x="4324373" y="495674"/>
+                  <a:pt x="4331830" y="485234"/>
+                </a:cubicBezTo>
+                <a:lnTo>
+                  <a:pt x="4331830" y="512079"/>
+                </a:lnTo>
+                <a:lnTo>
+                  <a:pt x="4376744" y="512079"/>
+                </a:lnTo>
+                <a:lnTo>
+                  <a:pt x="4376744" y="259806"/>
+                </a:lnTo>
+                <a:lnTo>
+                  <a:pt x="4328388" y="259806"/>
+                </a:lnTo>
+                <a:close/>
+                <a:moveTo>
+                  <a:pt x="4428210" y="259806"/>
+                </a:moveTo>
+                <a:lnTo>
+                  <a:pt x="4428210" y="304548"/>
+                </a:lnTo>
+                <a:lnTo>
+                  <a:pt x="4476565" y="304548"/>
+                </a:lnTo>
+                <a:lnTo>
+                  <a:pt x="4476565" y="259806"/>
+                </a:lnTo>
+                <a:lnTo>
+                  <a:pt x="4428210" y="259806"/>
+                </a:lnTo>
+                <a:close/>
+                <a:moveTo>
+                  <a:pt x="4601414" y="325197"/>
+                </a:moveTo>
+                <a:cubicBezTo>
+                  <a:pt x="4574225" y="325197"/>
+                  <a:pt x="4552657" y="333601"/>
+                  <a:pt x="4536711" y="350408"/>
+                </a:cubicBezTo>
+                <a:cubicBezTo>
+                  <a:pt x="4520764" y="367214"/>
+                  <a:pt x="4512791" y="390704"/>
+                  <a:pt x="4512791" y="420875"/>
+                </a:cubicBezTo>
+                <a:cubicBezTo>
+                  <a:pt x="4512791" y="450703"/>
+                  <a:pt x="4520736" y="474049"/>
+                  <a:pt x="4536625" y="490913"/>
+                </a:cubicBezTo>
+                <a:cubicBezTo>
+                  <a:pt x="4552513" y="507777"/>
+                  <a:pt x="4573823" y="516209"/>
+                  <a:pt x="4600553" y="516209"/>
+                </a:cubicBezTo>
+                <a:cubicBezTo>
+                  <a:pt x="4624071" y="516209"/>
+                  <a:pt x="4642828" y="510645"/>
+                  <a:pt x="4656824" y="499517"/>
+                </a:cubicBezTo>
+                <a:cubicBezTo>
+                  <a:pt x="4670821" y="488389"/>
+                  <a:pt x="4680285" y="471926"/>
+                  <a:pt x="4685218" y="450129"/>
+                </a:cubicBezTo>
+                <a:lnTo>
+                  <a:pt x="4637723" y="442041"/>
+                </a:lnTo>
+                <a:cubicBezTo>
+                  <a:pt x="4635314" y="454776"/>
+                  <a:pt x="4631184" y="463753"/>
+                  <a:pt x="4625333" y="468972"/>
+                </a:cubicBezTo>
+                <a:cubicBezTo>
+                  <a:pt x="4619482" y="474192"/>
+                  <a:pt x="4611968" y="476802"/>
+                  <a:pt x="4602790" y="476802"/>
+                </a:cubicBezTo>
+                <a:cubicBezTo>
+                  <a:pt x="4590515" y="476802"/>
+                  <a:pt x="4580735" y="472328"/>
+                  <a:pt x="4573450" y="463380"/>
+                </a:cubicBezTo>
+                <a:cubicBezTo>
+                  <a:pt x="4566166" y="454431"/>
+                  <a:pt x="4562523" y="439116"/>
+                  <a:pt x="4562523" y="417434"/>
+                </a:cubicBezTo>
+                <a:cubicBezTo>
+                  <a:pt x="4562523" y="397931"/>
+                  <a:pt x="4566108" y="384021"/>
+                  <a:pt x="4573278" y="375704"/>
+                </a:cubicBezTo>
+                <a:cubicBezTo>
+                  <a:pt x="4580448" y="367386"/>
+                  <a:pt x="4590056" y="363228"/>
+                  <a:pt x="4602102" y="363228"/>
+                </a:cubicBezTo>
+                <a:cubicBezTo>
+                  <a:pt x="4611165" y="363228"/>
+                  <a:pt x="4618536" y="365637"/>
+                  <a:pt x="4624215" y="370455"/>
+                </a:cubicBezTo>
+                <a:cubicBezTo>
+                  <a:pt x="4629893" y="375273"/>
+                  <a:pt x="4633536" y="382444"/>
+                  <a:pt x="4635142" y="391965"/>
+                </a:cubicBezTo>
+                <a:lnTo>
+                  <a:pt x="4682809" y="383361"/>
+                </a:lnTo>
+                <a:cubicBezTo>
+                  <a:pt x="4677073" y="363744"/>
+                  <a:pt x="4667637" y="349146"/>
+                  <a:pt x="4654501" y="339566"/>
+                </a:cubicBezTo>
+                <a:cubicBezTo>
+                  <a:pt x="4641366" y="329987"/>
+                  <a:pt x="4623670" y="325197"/>
+                  <a:pt x="4601414" y="325197"/>
+                </a:cubicBezTo>
+                <a:close/>
+                <a:moveTo>
+                  <a:pt x="4793179" y="325197"/>
+                </a:moveTo>
+                <a:cubicBezTo>
+                  <a:pt x="4768972" y="325197"/>
+                  <a:pt x="4748954" y="333773"/>
+                  <a:pt x="4733122" y="350924"/>
+                </a:cubicBezTo>
+                <a:cubicBezTo>
+                  <a:pt x="4717290" y="368075"/>
+                  <a:pt x="4709375" y="391793"/>
+                  <a:pt x="4709375" y="422080"/>
+                </a:cubicBezTo>
+                <a:cubicBezTo>
+                  <a:pt x="4709375" y="447433"/>
+                  <a:pt x="4715397" y="468427"/>
+                  <a:pt x="4727443" y="485062"/>
+                </a:cubicBezTo>
+                <a:cubicBezTo>
+                  <a:pt x="4742701" y="505827"/>
+                  <a:pt x="4766219" y="516209"/>
+                  <a:pt x="4797997" y="516209"/>
+                </a:cubicBezTo>
+                <a:cubicBezTo>
+                  <a:pt x="4818073" y="516209"/>
+                  <a:pt x="4834794" y="511591"/>
+                  <a:pt x="4848159" y="502356"/>
+                </a:cubicBezTo>
+                <a:cubicBezTo>
+                  <a:pt x="4861524" y="493121"/>
+                  <a:pt x="4871304" y="479670"/>
+                  <a:pt x="4877499" y="462003"/>
+                </a:cubicBezTo>
+                <a:lnTo>
+                  <a:pt x="4829316" y="453915"/>
+                </a:lnTo>
+                <a:cubicBezTo>
+                  <a:pt x="4826678" y="463093"/>
+                  <a:pt x="4822777" y="469747"/>
+                  <a:pt x="4817614" y="473877"/>
+                </a:cubicBezTo>
+                <a:cubicBezTo>
+                  <a:pt x="4812452" y="478007"/>
+                  <a:pt x="4806085" y="480072"/>
+                  <a:pt x="4798513" y="480072"/>
+                </a:cubicBezTo>
+                <a:cubicBezTo>
+                  <a:pt x="4787385" y="480072"/>
+                  <a:pt x="4778093" y="476085"/>
+                  <a:pt x="4770636" y="468112"/>
+                </a:cubicBezTo>
+                <a:cubicBezTo>
+                  <a:pt x="4763179" y="460139"/>
+                  <a:pt x="4759278" y="448982"/>
+                  <a:pt x="4758934" y="434642"/>
+                </a:cubicBezTo>
+                <a:lnTo>
+                  <a:pt x="4880080" y="434642"/>
+                </a:lnTo>
+                <a:cubicBezTo>
+                  <a:pt x="4880769" y="397587"/>
+                  <a:pt x="4873254" y="370082"/>
+                  <a:pt x="4857538" y="352128"/>
+                </a:cubicBezTo>
+                <a:cubicBezTo>
+                  <a:pt x="4841821" y="334174"/>
+                  <a:pt x="4820368" y="325197"/>
+                  <a:pt x="4793179" y="325197"/>
+                </a:cubicBezTo>
+                <a:close/>
+                <a:moveTo>
+                  <a:pt x="4428210" y="329327"/>
+                </a:moveTo>
+                <a:lnTo>
+                  <a:pt x="4428210" y="512079"/>
+                </a:lnTo>
+                <a:lnTo>
+                  <a:pt x="4476565" y="512079"/>
+                </a:lnTo>
+                <a:lnTo>
+                  <a:pt x="4476565" y="329327"/>
+                </a:lnTo>
+                <a:lnTo>
+                  <a:pt x="4428210" y="329327"/>
+                </a:lnTo>
+                <a:close/>
+                <a:moveTo>
+                  <a:pt x="4094858" y="325197"/>
+                </a:moveTo>
+                <a:cubicBezTo>
+                  <a:pt x="4070652" y="325197"/>
+                  <a:pt x="4050576" y="335522"/>
+                  <a:pt x="4034630" y="356172"/>
+                </a:cubicBezTo>
+                <a:lnTo>
+                  <a:pt x="4034630" y="329327"/>
+                </a:lnTo>
+                <a:lnTo>
+                  <a:pt x="3989716" y="329327"/>
+                </a:lnTo>
+                <a:lnTo>
+                  <a:pt x="3989716" y="512079"/>
+                </a:lnTo>
+                <a:lnTo>
+                  <a:pt x="4038071" y="512079"/>
+                </a:lnTo>
+                <a:lnTo>
+                  <a:pt x="4038071" y="429307"/>
+                </a:lnTo>
+                <a:cubicBezTo>
+                  <a:pt x="4038071" y="408887"/>
+                  <a:pt x="4039305" y="394891"/>
+                  <a:pt x="4041771" y="387319"/>
+                </a:cubicBezTo>
+                <a:cubicBezTo>
+                  <a:pt x="4044238" y="379748"/>
+                  <a:pt x="4048798" y="373667"/>
+                  <a:pt x="4055452" y="369078"/>
+                </a:cubicBezTo>
+                <a:cubicBezTo>
+                  <a:pt x="4062105" y="364490"/>
+                  <a:pt x="4069620" y="362195"/>
+                  <a:pt x="4077994" y="362195"/>
+                </a:cubicBezTo>
+                <a:cubicBezTo>
+                  <a:pt x="4084533" y="362195"/>
+                  <a:pt x="4090126" y="363801"/>
+                  <a:pt x="4094772" y="367013"/>
+                </a:cubicBezTo>
+                <a:cubicBezTo>
+                  <a:pt x="4099419" y="370226"/>
+                  <a:pt x="4102774" y="374729"/>
+                  <a:pt x="4104839" y="380522"/>
+                </a:cubicBezTo>
+                <a:cubicBezTo>
+                  <a:pt x="4106904" y="386315"/>
+                  <a:pt x="4107937" y="399078"/>
+                  <a:pt x="4107937" y="418810"/>
+                </a:cubicBezTo>
+                <a:lnTo>
+                  <a:pt x="4107937" y="512079"/>
+                </a:lnTo>
+                <a:lnTo>
+                  <a:pt x="4156292" y="512079"/>
+                </a:lnTo>
+                <a:lnTo>
+                  <a:pt x="4156292" y="398505"/>
+                </a:lnTo>
+                <a:cubicBezTo>
+                  <a:pt x="4156292" y="384394"/>
+                  <a:pt x="4155403" y="373553"/>
+                  <a:pt x="4153625" y="365981"/>
+                </a:cubicBezTo>
+                <a:cubicBezTo>
+                  <a:pt x="4151847" y="358409"/>
+                  <a:pt x="4148692" y="351641"/>
+                  <a:pt x="4144160" y="345675"/>
+                </a:cubicBezTo>
+                <a:cubicBezTo>
+                  <a:pt x="4139629" y="339710"/>
+                  <a:pt x="4132946" y="334805"/>
+                  <a:pt x="4124112" y="330962"/>
+                </a:cubicBezTo>
+                <a:cubicBezTo>
+                  <a:pt x="4115279" y="327119"/>
+                  <a:pt x="4105528" y="325197"/>
+                  <a:pt x="4094858" y="325197"/>
+                </a:cubicBezTo>
+                <a:close/>
+              </a:path>
+            </a:pathLst>
+          </a:custGeom>
+          <a:noFill/>
+          <a:ln>
+            <a:solidFill>
+              <a:srgbClr val="965FF4"/>
+            </a:solidFill>
+          </a:ln>
+        </p:spPr>
+        <p:style>
+          <a:lnRef idx="2">
+            <a:schemeClr val="accent1">
+              <a:shade val="50000"/>
+            </a:schemeClr>
+          </a:lnRef>
+          <a:fillRef idx="1">
+            <a:schemeClr val="accent1"/>
+          </a:fillRef>
+          <a:effectRef idx="0">
+            <a:schemeClr val="accent1"/>
+          </a:effectRef>
+          <a:fontRef idx="minor">
+            <a:schemeClr val="lt1"/>
+          </a:fontRef>
+        </p:style>
+        <p:txBody>
+          <a:bodyPr rtlCol="0" anchor="ctr"/>
+          <a:lstStyle/>
+          <a:p>
+            <a:pPr algn="ctr"/>
+            <a:endParaRPr lang="en-GB"/>
+          </a:p>
+        </p:txBody>
+      </p:sp>
+      <p:sp>
+        <p:nvSpPr>
+          <p:cNvPr id="5" name="Rectangle 4"/>
+          <p:cNvSpPr/>
+          <p:nvPr/>
+        </p:nvSpPr>
+        <p:spPr>
+          <a:xfrm>
+            <a:off x="3760341" y="341986"/>
+            <a:ext cx="1479479" cy="626723"/>
+          </a:xfrm>
+          <a:prstGeom prst="rect">
+            <a:avLst/>
+          </a:prstGeom>
+          <a:solidFill>
+            <a:schemeClr val="bg1"/>
+          </a:solidFill>
+          <a:ln>
+            <a:solidFill>
+              <a:schemeClr val="bg1"/>
+            </a:solidFill>
+          </a:ln>
+        </p:spPr>
+        <p:style>
+          <a:lnRef idx="2">
+            <a:schemeClr val="accent1">
+              <a:shade val="50000"/>
+            </a:schemeClr>
+          </a:lnRef>
+          <a:fillRef idx="1">
+            <a:schemeClr val="accent1"/>
+          </a:fillRef>
+          <a:effectRef idx="0">
+            <a:schemeClr val="accent1"/>
+          </a:effectRef>
+          <a:fontRef idx="minor">
+            <a:schemeClr val="lt1"/>
+          </a:fontRef>
+        </p:style>
+        <p:txBody>
+          <a:bodyPr rtlCol="0" anchor="ctr"/>
+          <a:lstStyle/>
+          <a:p>
+            <a:pPr algn="ctr"/>
+            <a:endParaRPr lang="en-GB"/>
+          </a:p>
+        </p:txBody>
+      </p:sp>
+      <p:sp>
+        <p:nvSpPr>
+          <p:cNvPr id="81" name="Google Shape;196;p16"/>
+          <p:cNvSpPr txBox="1"/>
+          <p:nvPr/>
+        </p:nvSpPr>
+        <p:spPr>
+          <a:xfrm>
+            <a:off x="2301625" y="375747"/>
+            <a:ext cx="4561298" cy="279600"/>
+          </a:xfrm>
+          <a:prstGeom prst="rect">
+            <a:avLst/>
+          </a:prstGeom>
+          <a:noFill/>
+          <a:ln>
+            <a:noFill/>
+          </a:ln>
+        </p:spPr>
+        <p:txBody>
+          <a:bodyPr spcFirstLastPara="1" wrap="square" lIns="91425" tIns="91425" rIns="91425" bIns="91425" anchor="ctr" anchorCtr="0">
+            <a:noAutofit/>
+          </a:bodyPr>
+          <a:lstStyle/>
+          <a:p>
+            <a:pPr algn="ctr"/>
+            <a:r>
+              <a:rPr lang="en-GB" sz="2000" b="1" dirty="0" err="1" smtClean="0"/>
+              <a:t>Activar</a:t>
+            </a:r>
+            <a:r>
+              <a:rPr lang="en-GB" sz="2000" b="1" dirty="0" smtClean="0"/>
+              <a:t> </a:t>
+            </a:r>
+            <a:r>
+              <a:rPr lang="en-GB" sz="2000" b="1" dirty="0"/>
+              <a:t>a </a:t>
+            </a:r>
+            <a:r>
+              <a:rPr lang="en-GB" sz="2000" b="1" dirty="0" err="1" smtClean="0"/>
+              <a:t>Conta</a:t>
+            </a:r>
+            <a:r>
+              <a:rPr lang="en-GB" sz="2000" b="1" dirty="0" smtClean="0"/>
+              <a:t> de </a:t>
+            </a:r>
+            <a:r>
+              <a:rPr lang="en-GB" sz="2000" b="1" dirty="0" err="1"/>
+              <a:t>U</a:t>
+            </a:r>
+            <a:r>
+              <a:rPr lang="en-GB" sz="2000" b="1" dirty="0" err="1" smtClean="0"/>
+              <a:t>tilizador</a:t>
+            </a:r>
+            <a:endParaRPr lang="en-GB" sz="2000" b="1" dirty="0"/>
+          </a:p>
+        </p:txBody>
+      </p:sp>
+      <p:sp>
+        <p:nvSpPr>
+          <p:cNvPr id="6" name="Rectangle 5"/>
+          <p:cNvSpPr/>
+          <p:nvPr/>
+        </p:nvSpPr>
+        <p:spPr>
+          <a:xfrm>
+            <a:off x="1191802" y="4522950"/>
+            <a:ext cx="7019247" cy="307777"/>
+          </a:xfrm>
+          <a:prstGeom prst="rect">
+            <a:avLst/>
+          </a:prstGeom>
+        </p:spPr>
+        <p:txBody>
+          <a:bodyPr wrap="square">
+            <a:spAutoFit/>
+          </a:bodyPr>
+          <a:lstStyle/>
+          <a:p>
+            <a:pPr algn="ctr"/>
+            <a:r>
+              <a:rPr lang="en-GB" b="1" dirty="0" smtClean="0">
+                <a:solidFill>
+                  <a:srgbClr val="FF0000"/>
+                </a:solidFill>
+              </a:rPr>
+              <a:t>“</a:t>
+            </a:r>
+            <a:r>
+              <a:rPr lang="en-GB" b="1" dirty="0" smtClean="0">
+                <a:solidFill>
+                  <a:schemeClr val="tx1"/>
+                </a:solidFill>
+              </a:rPr>
+              <a:t>Enable-</a:t>
+            </a:r>
+            <a:r>
+              <a:rPr lang="en-GB" b="1" dirty="0" err="1" smtClean="0">
+                <a:solidFill>
+                  <a:schemeClr val="tx1"/>
+                </a:solidFill>
+              </a:rPr>
+              <a:t>ADAccount</a:t>
+            </a:r>
+            <a:r>
+              <a:rPr lang="en-GB" b="1" dirty="0" smtClean="0">
+                <a:solidFill>
+                  <a:schemeClr val="tx1"/>
+                </a:solidFill>
+              </a:rPr>
+              <a:t> –Identity </a:t>
+            </a:r>
+            <a:r>
+              <a:rPr lang="en-GB" b="1" dirty="0" smtClean="0">
+                <a:solidFill>
+                  <a:srgbClr val="FF0000"/>
+                </a:solidFill>
+              </a:rPr>
+              <a:t>Rajendra”</a:t>
+            </a:r>
+            <a:endParaRPr lang="en-GB" b="1" dirty="0">
+              <a:solidFill>
+                <a:srgbClr val="FF0000"/>
+              </a:solidFill>
+            </a:endParaRPr>
+          </a:p>
+        </p:txBody>
+      </p:sp>
+    </p:spTree>
+    <p:extLst>
+      <p:ext uri="{BB962C8B-B14F-4D97-AF65-F5344CB8AC3E}">
+        <p14:creationId xmlns:p14="http://schemas.microsoft.com/office/powerpoint/2010/main" val="2622584591"/>
+      </p:ext>
+    </p:extLst>
+  </p:cSld>
+  <p:clrMapOvr>
+    <a:masterClrMapping/>
+  </p:clrMapOvr>
+</p:sld>
+</file>
+
+<file path=ppt/slides/slide6.xml><?xml version="1.0" encoding="utf-8"?>
+<p:sld xmlns:a="http://schemas.openxmlformats.org/drawingml/2006/main" xmlns:r="http://schemas.openxmlformats.org/officeDocument/2006/relationships" xmlns:p="http://schemas.openxmlformats.org/presentationml/2006/main">
+  <p:cSld>
+    <p:spTree>
+      <p:nvGrpSpPr>
+        <p:cNvPr id="1" name=""/>
+        <p:cNvGrpSpPr/>
+        <p:nvPr/>
+      </p:nvGrpSpPr>
+      <p:grpSpPr>
+        <a:xfrm>
+          <a:off x="0" y="0"/>
+          <a:ext cx="0" cy="0"/>
+          <a:chOff x="0" y="0"/>
+          <a:chExt cx="0" cy="0"/>
+        </a:xfrm>
+      </p:grpSpPr>
+      <p:sp>
+        <p:nvSpPr>
+          <p:cNvPr id="93" name="Freeform 92"/>
+          <p:cNvSpPr/>
+          <p:nvPr/>
+        </p:nvSpPr>
+        <p:spPr>
+          <a:xfrm>
+            <a:off x="174661" y="215758"/>
+            <a:ext cx="8815226" cy="4839128"/>
+          </a:xfrm>
+          <a:custGeom>
+            <a:avLst/>
+            <a:gdLst/>
+            <a:ahLst/>
+            <a:cxnLst/>
+            <a:rect l="l" t="t" r="r" b="b"/>
+            <a:pathLst>
+              <a:path w="8815226" h="4839128">
+                <a:moveTo>
+                  <a:pt x="696666" y="0"/>
+                </a:moveTo>
+                <a:lnTo>
+                  <a:pt x="8090856" y="0"/>
+                </a:lnTo>
+                <a:lnTo>
+                  <a:pt x="7974761" y="232189"/>
+                </a:lnTo>
+                <a:lnTo>
+                  <a:pt x="8178186" y="639039"/>
+                </a:lnTo>
+                <a:lnTo>
+                  <a:pt x="8769033" y="639039"/>
+                </a:lnTo>
+                <a:lnTo>
+                  <a:pt x="8815226" y="546653"/>
+                </a:lnTo>
+                <a:lnTo>
+                  <a:pt x="8815226" y="4186791"/>
+                </a:lnTo>
+                <a:lnTo>
+                  <a:pt x="8769033" y="4094405"/>
+                </a:lnTo>
+                <a:lnTo>
+                  <a:pt x="8178186" y="4094405"/>
+                </a:lnTo>
+                <a:lnTo>
+                  <a:pt x="7974761" y="4501255"/>
+                </a:lnTo>
+                <a:lnTo>
+                  <a:pt x="8143698" y="4839128"/>
+                </a:lnTo>
+                <a:lnTo>
+                  <a:pt x="638791" y="4839128"/>
+                </a:lnTo>
+                <a:lnTo>
+                  <a:pt x="789955" y="4536801"/>
+                </a:lnTo>
+                <a:lnTo>
+                  <a:pt x="586530" y="4129951"/>
+                </a:lnTo>
+                <a:lnTo>
+                  <a:pt x="0" y="4129951"/>
+                </a:lnTo>
+                <a:lnTo>
+                  <a:pt x="0" y="602061"/>
+                </a:lnTo>
+                <a:lnTo>
+                  <a:pt x="18489" y="639039"/>
+                </a:lnTo>
+                <a:lnTo>
+                  <a:pt x="609336" y="639039"/>
+                </a:lnTo>
+                <a:lnTo>
+                  <a:pt x="812761" y="232189"/>
+                </a:lnTo>
+                <a:lnTo>
+                  <a:pt x="696666" y="0"/>
+                </a:lnTo>
+                <a:close/>
+                <a:moveTo>
+                  <a:pt x="3921027" y="193898"/>
+                </a:moveTo>
+                <a:lnTo>
+                  <a:pt x="3897280" y="245351"/>
+                </a:lnTo>
+                <a:lnTo>
+                  <a:pt x="3927910" y="245351"/>
+                </a:lnTo>
+                <a:lnTo>
+                  <a:pt x="3975233" y="193898"/>
+                </a:lnTo>
+                <a:lnTo>
+                  <a:pt x="3921027" y="193898"/>
+                </a:lnTo>
+                <a:close/>
+                <a:moveTo>
+                  <a:pt x="3903131" y="259806"/>
+                </a:moveTo>
+                <a:lnTo>
+                  <a:pt x="3903131" y="512079"/>
+                </a:lnTo>
+                <a:lnTo>
+                  <a:pt x="3954067" y="512079"/>
+                </a:lnTo>
+                <a:lnTo>
+                  <a:pt x="3954067" y="259806"/>
+                </a:lnTo>
+                <a:lnTo>
+                  <a:pt x="3903131" y="259806"/>
+                </a:lnTo>
+                <a:close/>
+                <a:moveTo>
+                  <a:pt x="4328388" y="259806"/>
+                </a:moveTo>
+                <a:lnTo>
+                  <a:pt x="4328388" y="350666"/>
+                </a:lnTo>
+                <a:cubicBezTo>
+                  <a:pt x="4313475" y="333687"/>
+                  <a:pt x="4295808" y="325197"/>
+                  <a:pt x="4275387" y="325197"/>
+                </a:cubicBezTo>
+                <a:cubicBezTo>
+                  <a:pt x="4253131" y="325197"/>
+                  <a:pt x="4234718" y="333257"/>
+                  <a:pt x="4220148" y="349375"/>
+                </a:cubicBezTo>
+                <a:cubicBezTo>
+                  <a:pt x="4205579" y="365493"/>
+                  <a:pt x="4198294" y="389040"/>
+                  <a:pt x="4198294" y="420015"/>
+                </a:cubicBezTo>
+                <a:cubicBezTo>
+                  <a:pt x="4198294" y="450301"/>
+                  <a:pt x="4205780" y="473905"/>
+                  <a:pt x="4220751" y="490827"/>
+                </a:cubicBezTo>
+                <a:cubicBezTo>
+                  <a:pt x="4235722" y="507748"/>
+                  <a:pt x="4253705" y="516209"/>
+                  <a:pt x="4274699" y="516209"/>
+                </a:cubicBezTo>
+                <a:cubicBezTo>
+                  <a:pt x="4285024" y="516209"/>
+                  <a:pt x="4295262" y="513656"/>
+                  <a:pt x="4305415" y="508551"/>
+                </a:cubicBezTo>
+                <a:cubicBezTo>
+                  <a:pt x="4315568" y="503446"/>
+                  <a:pt x="4324373" y="495674"/>
+                  <a:pt x="4331830" y="485234"/>
+                </a:cubicBezTo>
+                <a:lnTo>
+                  <a:pt x="4331830" y="512079"/>
+                </a:lnTo>
+                <a:lnTo>
+                  <a:pt x="4376744" y="512079"/>
+                </a:lnTo>
+                <a:lnTo>
+                  <a:pt x="4376744" y="259806"/>
+                </a:lnTo>
+                <a:lnTo>
+                  <a:pt x="4328388" y="259806"/>
+                </a:lnTo>
+                <a:close/>
+                <a:moveTo>
+                  <a:pt x="4428210" y="259806"/>
+                </a:moveTo>
+                <a:lnTo>
+                  <a:pt x="4428210" y="304548"/>
+                </a:lnTo>
+                <a:lnTo>
+                  <a:pt x="4476565" y="304548"/>
+                </a:lnTo>
+                <a:lnTo>
+                  <a:pt x="4476565" y="259806"/>
+                </a:lnTo>
+                <a:lnTo>
+                  <a:pt x="4428210" y="259806"/>
+                </a:lnTo>
+                <a:close/>
+                <a:moveTo>
+                  <a:pt x="4601414" y="325197"/>
+                </a:moveTo>
+                <a:cubicBezTo>
+                  <a:pt x="4574225" y="325197"/>
+                  <a:pt x="4552657" y="333601"/>
+                  <a:pt x="4536711" y="350408"/>
+                </a:cubicBezTo>
+                <a:cubicBezTo>
+                  <a:pt x="4520764" y="367214"/>
+                  <a:pt x="4512791" y="390704"/>
+                  <a:pt x="4512791" y="420875"/>
+                </a:cubicBezTo>
+                <a:cubicBezTo>
+                  <a:pt x="4512791" y="450703"/>
+                  <a:pt x="4520736" y="474049"/>
+                  <a:pt x="4536625" y="490913"/>
+                </a:cubicBezTo>
+                <a:cubicBezTo>
+                  <a:pt x="4552513" y="507777"/>
+                  <a:pt x="4573823" y="516209"/>
+                  <a:pt x="4600553" y="516209"/>
+                </a:cubicBezTo>
+                <a:cubicBezTo>
+                  <a:pt x="4624071" y="516209"/>
+                  <a:pt x="4642828" y="510645"/>
+                  <a:pt x="4656824" y="499517"/>
+                </a:cubicBezTo>
+                <a:cubicBezTo>
+                  <a:pt x="4670821" y="488389"/>
+                  <a:pt x="4680285" y="471926"/>
+                  <a:pt x="4685218" y="450129"/>
+                </a:cubicBezTo>
+                <a:lnTo>
+                  <a:pt x="4637723" y="442041"/>
+                </a:lnTo>
+                <a:cubicBezTo>
+                  <a:pt x="4635314" y="454776"/>
+                  <a:pt x="4631184" y="463753"/>
+                  <a:pt x="4625333" y="468972"/>
+                </a:cubicBezTo>
+                <a:cubicBezTo>
+                  <a:pt x="4619482" y="474192"/>
+                  <a:pt x="4611968" y="476802"/>
+                  <a:pt x="4602790" y="476802"/>
+                </a:cubicBezTo>
+                <a:cubicBezTo>
+                  <a:pt x="4590515" y="476802"/>
+                  <a:pt x="4580735" y="472328"/>
+                  <a:pt x="4573450" y="463380"/>
+                </a:cubicBezTo>
+                <a:cubicBezTo>
+                  <a:pt x="4566166" y="454431"/>
+                  <a:pt x="4562523" y="439116"/>
+                  <a:pt x="4562523" y="417434"/>
+                </a:cubicBezTo>
+                <a:cubicBezTo>
+                  <a:pt x="4562523" y="397931"/>
+                  <a:pt x="4566108" y="384021"/>
+                  <a:pt x="4573278" y="375704"/>
+                </a:cubicBezTo>
+                <a:cubicBezTo>
+                  <a:pt x="4580448" y="367386"/>
+                  <a:pt x="4590056" y="363228"/>
+                  <a:pt x="4602102" y="363228"/>
+                </a:cubicBezTo>
+                <a:cubicBezTo>
+                  <a:pt x="4611165" y="363228"/>
+                  <a:pt x="4618536" y="365637"/>
+                  <a:pt x="4624215" y="370455"/>
+                </a:cubicBezTo>
+                <a:cubicBezTo>
+                  <a:pt x="4629893" y="375273"/>
+                  <a:pt x="4633536" y="382444"/>
+                  <a:pt x="4635142" y="391965"/>
+                </a:cubicBezTo>
+                <a:lnTo>
+                  <a:pt x="4682809" y="383361"/>
+                </a:lnTo>
+                <a:cubicBezTo>
+                  <a:pt x="4677073" y="363744"/>
+                  <a:pt x="4667637" y="349146"/>
+                  <a:pt x="4654501" y="339566"/>
+                </a:cubicBezTo>
+                <a:cubicBezTo>
+                  <a:pt x="4641366" y="329987"/>
+                  <a:pt x="4623670" y="325197"/>
+                  <a:pt x="4601414" y="325197"/>
+                </a:cubicBezTo>
+                <a:close/>
+                <a:moveTo>
+                  <a:pt x="4793179" y="325197"/>
+                </a:moveTo>
+                <a:cubicBezTo>
+                  <a:pt x="4768972" y="325197"/>
+                  <a:pt x="4748954" y="333773"/>
+                  <a:pt x="4733122" y="350924"/>
+                </a:cubicBezTo>
+                <a:cubicBezTo>
+                  <a:pt x="4717290" y="368075"/>
+                  <a:pt x="4709375" y="391793"/>
+                  <a:pt x="4709375" y="422080"/>
+                </a:cubicBezTo>
+                <a:cubicBezTo>
+                  <a:pt x="4709375" y="447433"/>
+                  <a:pt x="4715397" y="468427"/>
+                  <a:pt x="4727443" y="485062"/>
+                </a:cubicBezTo>
+                <a:cubicBezTo>
+                  <a:pt x="4742701" y="505827"/>
+                  <a:pt x="4766219" y="516209"/>
+                  <a:pt x="4797997" y="516209"/>
+                </a:cubicBezTo>
+                <a:cubicBezTo>
+                  <a:pt x="4818073" y="516209"/>
+                  <a:pt x="4834794" y="511591"/>
+                  <a:pt x="4848159" y="502356"/>
+                </a:cubicBezTo>
+                <a:cubicBezTo>
+                  <a:pt x="4861524" y="493121"/>
+                  <a:pt x="4871304" y="479670"/>
+                  <a:pt x="4877499" y="462003"/>
+                </a:cubicBezTo>
+                <a:lnTo>
+                  <a:pt x="4829316" y="453915"/>
+                </a:lnTo>
+                <a:cubicBezTo>
+                  <a:pt x="4826678" y="463093"/>
+                  <a:pt x="4822777" y="469747"/>
+                  <a:pt x="4817614" y="473877"/>
+                </a:cubicBezTo>
+                <a:cubicBezTo>
+                  <a:pt x="4812452" y="478007"/>
+                  <a:pt x="4806085" y="480072"/>
+                  <a:pt x="4798513" y="480072"/>
+                </a:cubicBezTo>
+                <a:cubicBezTo>
+                  <a:pt x="4787385" y="480072"/>
+                  <a:pt x="4778093" y="476085"/>
+                  <a:pt x="4770636" y="468112"/>
+                </a:cubicBezTo>
+                <a:cubicBezTo>
+                  <a:pt x="4763179" y="460139"/>
+                  <a:pt x="4759278" y="448982"/>
+                  <a:pt x="4758934" y="434642"/>
+                </a:cubicBezTo>
+                <a:lnTo>
+                  <a:pt x="4880080" y="434642"/>
+                </a:lnTo>
+                <a:cubicBezTo>
+                  <a:pt x="4880769" y="397587"/>
+                  <a:pt x="4873254" y="370082"/>
+                  <a:pt x="4857538" y="352128"/>
+                </a:cubicBezTo>
+                <a:cubicBezTo>
+                  <a:pt x="4841821" y="334174"/>
+                  <a:pt x="4820368" y="325197"/>
+                  <a:pt x="4793179" y="325197"/>
+                </a:cubicBezTo>
+                <a:close/>
+                <a:moveTo>
+                  <a:pt x="4428210" y="329327"/>
+                </a:moveTo>
+                <a:lnTo>
+                  <a:pt x="4428210" y="512079"/>
+                </a:lnTo>
+                <a:lnTo>
+                  <a:pt x="4476565" y="512079"/>
+                </a:lnTo>
+                <a:lnTo>
+                  <a:pt x="4476565" y="329327"/>
+                </a:lnTo>
+                <a:lnTo>
+                  <a:pt x="4428210" y="329327"/>
+                </a:lnTo>
+                <a:close/>
+                <a:moveTo>
+                  <a:pt x="4094858" y="325197"/>
+                </a:moveTo>
+                <a:cubicBezTo>
+                  <a:pt x="4070652" y="325197"/>
+                  <a:pt x="4050576" y="335522"/>
+                  <a:pt x="4034630" y="356172"/>
+                </a:cubicBezTo>
+                <a:lnTo>
+                  <a:pt x="4034630" y="329327"/>
+                </a:lnTo>
+                <a:lnTo>
+                  <a:pt x="3989716" y="329327"/>
+                </a:lnTo>
+                <a:lnTo>
+                  <a:pt x="3989716" y="512079"/>
+                </a:lnTo>
+                <a:lnTo>
+                  <a:pt x="4038071" y="512079"/>
+                </a:lnTo>
+                <a:lnTo>
+                  <a:pt x="4038071" y="429307"/>
+                </a:lnTo>
+                <a:cubicBezTo>
+                  <a:pt x="4038071" y="408887"/>
+                  <a:pt x="4039305" y="394891"/>
+                  <a:pt x="4041771" y="387319"/>
+                </a:cubicBezTo>
+                <a:cubicBezTo>
+                  <a:pt x="4044238" y="379748"/>
+                  <a:pt x="4048798" y="373667"/>
+                  <a:pt x="4055452" y="369078"/>
+                </a:cubicBezTo>
+                <a:cubicBezTo>
+                  <a:pt x="4062105" y="364490"/>
+                  <a:pt x="4069620" y="362195"/>
+                  <a:pt x="4077994" y="362195"/>
+                </a:cubicBezTo>
+                <a:cubicBezTo>
+                  <a:pt x="4084533" y="362195"/>
+                  <a:pt x="4090126" y="363801"/>
+                  <a:pt x="4094772" y="367013"/>
+                </a:cubicBezTo>
+                <a:cubicBezTo>
+                  <a:pt x="4099419" y="370226"/>
+                  <a:pt x="4102774" y="374729"/>
+                  <a:pt x="4104839" y="380522"/>
+                </a:cubicBezTo>
+                <a:cubicBezTo>
+                  <a:pt x="4106904" y="386315"/>
+                  <a:pt x="4107937" y="399078"/>
+                  <a:pt x="4107937" y="418810"/>
+                </a:cubicBezTo>
+                <a:lnTo>
+                  <a:pt x="4107937" y="512079"/>
+                </a:lnTo>
+                <a:lnTo>
+                  <a:pt x="4156292" y="512079"/>
+                </a:lnTo>
+                <a:lnTo>
+                  <a:pt x="4156292" y="398505"/>
+                </a:lnTo>
+                <a:cubicBezTo>
+                  <a:pt x="4156292" y="384394"/>
+                  <a:pt x="4155403" y="373553"/>
+                  <a:pt x="4153625" y="365981"/>
+                </a:cubicBezTo>
+                <a:cubicBezTo>
+                  <a:pt x="4151847" y="358409"/>
+                  <a:pt x="4148692" y="351641"/>
+                  <a:pt x="4144160" y="345675"/>
+                </a:cubicBezTo>
+                <a:cubicBezTo>
+                  <a:pt x="4139629" y="339710"/>
+                  <a:pt x="4132946" y="334805"/>
+                  <a:pt x="4124112" y="330962"/>
+                </a:cubicBezTo>
+                <a:cubicBezTo>
+                  <a:pt x="4115279" y="327119"/>
+                  <a:pt x="4105528" y="325197"/>
+                  <a:pt x="4094858" y="325197"/>
+                </a:cubicBezTo>
+                <a:close/>
+              </a:path>
+            </a:pathLst>
+          </a:custGeom>
+          <a:noFill/>
+          <a:ln>
+            <a:solidFill>
+              <a:srgbClr val="965FF4"/>
+            </a:solidFill>
+          </a:ln>
+        </p:spPr>
+        <p:style>
+          <a:lnRef idx="2">
+            <a:schemeClr val="accent1">
+              <a:shade val="50000"/>
+            </a:schemeClr>
+          </a:lnRef>
+          <a:fillRef idx="1">
+            <a:schemeClr val="accent1"/>
+          </a:fillRef>
+          <a:effectRef idx="0">
+            <a:schemeClr val="accent1"/>
+          </a:effectRef>
+          <a:fontRef idx="minor">
+            <a:schemeClr val="lt1"/>
+          </a:fontRef>
+        </p:style>
+        <p:txBody>
+          <a:bodyPr rtlCol="0" anchor="ctr"/>
+          <a:lstStyle/>
+          <a:p>
+            <a:pPr algn="ctr"/>
+            <a:endParaRPr lang="en-GB"/>
+          </a:p>
+        </p:txBody>
+      </p:sp>
+      <p:sp>
+        <p:nvSpPr>
+          <p:cNvPr id="5" name="Rectangle 4"/>
+          <p:cNvSpPr/>
+          <p:nvPr/>
+        </p:nvSpPr>
+        <p:spPr>
+          <a:xfrm>
+            <a:off x="3760341" y="341986"/>
+            <a:ext cx="1479479" cy="626723"/>
+          </a:xfrm>
+          <a:prstGeom prst="rect">
+            <a:avLst/>
+          </a:prstGeom>
+          <a:solidFill>
+            <a:schemeClr val="bg1"/>
+          </a:solidFill>
+          <a:ln>
+            <a:solidFill>
+              <a:schemeClr val="bg1"/>
+            </a:solidFill>
+          </a:ln>
+        </p:spPr>
+        <p:style>
+          <a:lnRef idx="2">
+            <a:schemeClr val="accent1">
+              <a:shade val="50000"/>
+            </a:schemeClr>
+          </a:lnRef>
+          <a:fillRef idx="1">
+            <a:schemeClr val="accent1"/>
+          </a:fillRef>
+          <a:effectRef idx="0">
+            <a:schemeClr val="accent1"/>
+          </a:effectRef>
+          <a:fontRef idx="minor">
+            <a:schemeClr val="lt1"/>
+          </a:fontRef>
+        </p:style>
+        <p:txBody>
+          <a:bodyPr rtlCol="0" anchor="ctr"/>
+          <a:lstStyle/>
+          <a:p>
+            <a:pPr algn="ctr"/>
+            <a:endParaRPr lang="en-GB"/>
+          </a:p>
+        </p:txBody>
+      </p:sp>
+      <p:sp>
+        <p:nvSpPr>
+          <p:cNvPr id="7" name="Rectangle 6"/>
+          <p:cNvSpPr/>
+          <p:nvPr/>
+        </p:nvSpPr>
+        <p:spPr>
+          <a:xfrm>
+            <a:off x="1136469" y="533592"/>
+            <a:ext cx="4572000" cy="523220"/>
+          </a:xfrm>
+          <a:prstGeom prst="rect">
+            <a:avLst/>
+          </a:prstGeom>
+        </p:spPr>
+        <p:txBody>
+          <a:bodyPr>
+            <a:spAutoFit/>
+          </a:bodyPr>
+          <a:lstStyle/>
+          <a:p>
+            <a:r>
+              <a:rPr lang="en-GB" dirty="0"/>
+              <a:t>New-</a:t>
+            </a:r>
+            <a:r>
+              <a:rPr lang="en-GB" dirty="0" err="1"/>
+              <a:t>ADGroup</a:t>
+            </a:r>
+            <a:r>
+              <a:rPr lang="en-GB" dirty="0"/>
+              <a:t> "HRM Users"-</a:t>
+            </a:r>
+            <a:r>
+              <a:rPr lang="en-GB" dirty="0" err="1"/>
+              <a:t>Path"Ou</a:t>
+            </a:r>
+            <a:r>
+              <a:rPr lang="en-GB" dirty="0"/>
+              <a:t>-</a:t>
+            </a:r>
+            <a:r>
+              <a:rPr lang="en-GB" dirty="0" err="1"/>
+              <a:t>HiRM</a:t>
+            </a:r>
+            <a:r>
+              <a:rPr lang="en-GB" dirty="0"/>
+              <a:t>, de-dream, de-local"-</a:t>
+            </a:r>
+            <a:r>
+              <a:rPr lang="en-GB" dirty="0" err="1"/>
+              <a:t>GroupScope</a:t>
+            </a:r>
+            <a:r>
+              <a:rPr lang="en-GB" dirty="0"/>
+              <a:t> Global -</a:t>
+            </a:r>
+            <a:r>
+              <a:rPr lang="en-GB" dirty="0" err="1"/>
+              <a:t>GroupCategory</a:t>
+            </a:r>
+            <a:r>
+              <a:rPr lang="en-GB" dirty="0"/>
+              <a:t> Security</a:t>
+            </a:r>
+          </a:p>
+        </p:txBody>
+      </p:sp>
+      <p:sp>
+        <p:nvSpPr>
+          <p:cNvPr id="8" name="Rectangle 7"/>
+          <p:cNvSpPr/>
+          <p:nvPr/>
+        </p:nvSpPr>
+        <p:spPr>
+          <a:xfrm>
+            <a:off x="1136469" y="1252049"/>
+            <a:ext cx="4572000" cy="523220"/>
+          </a:xfrm>
+          <a:prstGeom prst="rect">
+            <a:avLst/>
+          </a:prstGeom>
+        </p:spPr>
+        <p:txBody>
+          <a:bodyPr>
+            <a:spAutoFit/>
+          </a:bodyPr>
+          <a:lstStyle/>
+          <a:p>
+            <a:r>
+              <a:rPr lang="en-GB" dirty="0" err="1"/>
+              <a:t>Add-ADGroup®ember</a:t>
+            </a:r>
+            <a:r>
+              <a:rPr lang="en-GB" dirty="0"/>
+              <a:t> "HRM Users"-</a:t>
+            </a:r>
+            <a:r>
+              <a:rPr lang="en-GB" dirty="0" smtClean="0"/>
+              <a:t>Members “Sana </a:t>
+            </a:r>
+            <a:r>
+              <a:rPr lang="en-GB" dirty="0"/>
+              <a:t>User"</a:t>
+            </a:r>
+          </a:p>
+        </p:txBody>
+      </p:sp>
+      <p:sp>
+        <p:nvSpPr>
+          <p:cNvPr id="9" name="Rectangle 8"/>
+          <p:cNvSpPr/>
+          <p:nvPr/>
+        </p:nvSpPr>
+        <p:spPr>
+          <a:xfrm>
+            <a:off x="1136469" y="1970506"/>
+            <a:ext cx="2768707" cy="307777"/>
+          </a:xfrm>
+          <a:prstGeom prst="rect">
+            <a:avLst/>
+          </a:prstGeom>
+        </p:spPr>
+        <p:txBody>
+          <a:bodyPr wrap="none">
+            <a:spAutoFit/>
+          </a:bodyPr>
+          <a:lstStyle/>
+          <a:p>
+            <a:r>
+              <a:rPr lang="en-GB" dirty="0"/>
+              <a:t>Remove-</a:t>
+            </a:r>
+            <a:r>
+              <a:rPr lang="en-GB" dirty="0" err="1"/>
+              <a:t>ADGroup</a:t>
+            </a:r>
+            <a:r>
+              <a:rPr lang="en-GB" dirty="0"/>
+              <a:t> "HRM Users*</a:t>
+            </a:r>
+          </a:p>
+        </p:txBody>
+      </p:sp>
+      <p:sp>
+        <p:nvSpPr>
+          <p:cNvPr id="10" name="Rectangle 9"/>
+          <p:cNvSpPr/>
+          <p:nvPr/>
+        </p:nvSpPr>
+        <p:spPr>
+          <a:xfrm>
+            <a:off x="1136469" y="2473520"/>
+            <a:ext cx="2563522" cy="307777"/>
+          </a:xfrm>
+          <a:prstGeom prst="rect">
+            <a:avLst/>
+          </a:prstGeom>
+        </p:spPr>
+        <p:txBody>
+          <a:bodyPr wrap="none">
+            <a:spAutoFit/>
+          </a:bodyPr>
+          <a:lstStyle/>
+          <a:p>
+            <a:r>
+              <a:rPr lang="en-GB" dirty="0"/>
+              <a:t>Remove-</a:t>
+            </a:r>
+            <a:r>
+              <a:rPr lang="en-GB" dirty="0" err="1"/>
+              <a:t>ADUser</a:t>
+            </a:r>
+            <a:r>
+              <a:rPr lang="en-GB" dirty="0"/>
+              <a:t> "Sana User"</a:t>
+            </a:r>
+          </a:p>
+        </p:txBody>
+      </p:sp>
+      <p:sp>
+        <p:nvSpPr>
+          <p:cNvPr id="11" name="Rectangle 10"/>
+          <p:cNvSpPr/>
+          <p:nvPr/>
+        </p:nvSpPr>
+        <p:spPr>
+          <a:xfrm>
+            <a:off x="1136469" y="2976534"/>
+            <a:ext cx="4572000" cy="523220"/>
+          </a:xfrm>
+          <a:prstGeom prst="rect">
+            <a:avLst/>
+          </a:prstGeom>
+        </p:spPr>
+        <p:txBody>
+          <a:bodyPr>
+            <a:spAutoFit/>
+          </a:bodyPr>
+          <a:lstStyle/>
+          <a:p>
+            <a:r>
+              <a:rPr lang="en-GB" dirty="0"/>
+              <a:t>Set-</a:t>
+            </a:r>
+            <a:r>
+              <a:rPr lang="en-GB" dirty="0" err="1"/>
+              <a:t>ADOrganizationalUnit</a:t>
+            </a:r>
+            <a:r>
+              <a:rPr lang="en-GB" dirty="0"/>
+              <a:t> </a:t>
+            </a:r>
+            <a:r>
+              <a:rPr lang="en-GB" dirty="0" smtClean="0"/>
+              <a:t>“</a:t>
+            </a:r>
+            <a:r>
+              <a:rPr lang="en-GB" dirty="0" err="1" smtClean="0"/>
+              <a:t>ou</a:t>
+            </a:r>
+            <a:r>
+              <a:rPr lang="en-GB" dirty="0" smtClean="0"/>
+              <a:t>-HRM</a:t>
+            </a:r>
+            <a:r>
+              <a:rPr lang="en-GB" dirty="0"/>
+              <a:t>, dc-dream, dc-local" -</a:t>
+            </a:r>
+            <a:r>
+              <a:rPr lang="en-GB" dirty="0" err="1"/>
+              <a:t>ProtectedfromAccidentalDeletion</a:t>
+            </a:r>
+            <a:r>
+              <a:rPr lang="en-GB" dirty="0"/>
+              <a:t> 0</a:t>
+            </a:r>
+          </a:p>
+        </p:txBody>
+      </p:sp>
+      <p:sp>
+        <p:nvSpPr>
+          <p:cNvPr id="12" name="Rectangle 11"/>
+          <p:cNvSpPr/>
+          <p:nvPr/>
+        </p:nvSpPr>
+        <p:spPr>
+          <a:xfrm>
+            <a:off x="1136469" y="3936395"/>
+            <a:ext cx="4572000" cy="523220"/>
+          </a:xfrm>
+          <a:prstGeom prst="rect">
+            <a:avLst/>
+          </a:prstGeom>
+        </p:spPr>
+        <p:txBody>
+          <a:bodyPr>
+            <a:spAutoFit/>
+          </a:bodyPr>
+          <a:lstStyle/>
+          <a:p>
+            <a:r>
+              <a:rPr lang="en-GB" dirty="0"/>
+              <a:t>Remove-</a:t>
+            </a:r>
+            <a:r>
+              <a:rPr lang="en-GB" dirty="0" err="1"/>
+              <a:t>ADOrganizationalUnit"ou</a:t>
+            </a:r>
+            <a:r>
+              <a:rPr lang="en-GB" dirty="0"/>
+              <a:t>-</a:t>
+            </a:r>
+            <a:r>
+              <a:rPr lang="en-GB" dirty="0" err="1"/>
+              <a:t>HRM,dc</a:t>
+            </a:r>
+            <a:r>
+              <a:rPr lang="en-GB" dirty="0"/>
+              <a:t>-</a:t>
+            </a:r>
+            <a:r>
+              <a:rPr lang="en-GB" dirty="0" err="1"/>
+              <a:t>dream,dc</a:t>
+            </a:r>
+            <a:r>
+              <a:rPr lang="en-GB" dirty="0"/>
+              <a:t>-local"</a:t>
+            </a:r>
+          </a:p>
+        </p:txBody>
+      </p:sp>
+    </p:spTree>
+    <p:extLst>
+      <p:ext uri="{BB962C8B-B14F-4D97-AF65-F5344CB8AC3E}">
+        <p14:creationId xmlns:p14="http://schemas.microsoft.com/office/powerpoint/2010/main" val="1470206135"/>
+      </p:ext>
+    </p:extLst>
+  </p:cSld>
+  <p:clrMapOvr>
+    <a:masterClrMapping/>
+  </p:clrMapOvr>
+</p:sld>
+</file>
+
+<file path=ppt/slides/slide7.xml><?xml version="1.0" encoding="utf-8"?>
+<p:sld xmlns:a="http://schemas.openxmlformats.org/drawingml/2006/main" xmlns:r="http://schemas.openxmlformats.org/officeDocument/2006/relationships" xmlns:p="http://schemas.openxmlformats.org/presentationml/2006/main">
+  <p:cSld>
+    <p:spTree>
+      <p:nvGrpSpPr>
+        <p:cNvPr id="1" name=""/>
+        <p:cNvGrpSpPr/>
+        <p:nvPr/>
+      </p:nvGrpSpPr>
+      <p:grpSpPr>
+        <a:xfrm>
+          <a:off x="0" y="0"/>
+          <a:ext cx="0" cy="0"/>
+          <a:chOff x="0" y="0"/>
+          <a:chExt cx="0" cy="0"/>
+        </a:xfrm>
+      </p:grpSpPr>
+      <p:sp>
+        <p:nvSpPr>
+          <p:cNvPr id="93" name="Freeform 92"/>
+          <p:cNvSpPr/>
+          <p:nvPr/>
+        </p:nvSpPr>
+        <p:spPr>
+          <a:xfrm>
+            <a:off x="174661" y="215758"/>
+            <a:ext cx="8815226" cy="4839128"/>
+          </a:xfrm>
+          <a:custGeom>
+            <a:avLst/>
+            <a:gdLst/>
+            <a:ahLst/>
+            <a:cxnLst/>
+            <a:rect l="l" t="t" r="r" b="b"/>
+            <a:pathLst>
+              <a:path w="8815226" h="4839128">
+                <a:moveTo>
+                  <a:pt x="696666" y="0"/>
+                </a:moveTo>
+                <a:lnTo>
+                  <a:pt x="8090856" y="0"/>
+                </a:lnTo>
+                <a:lnTo>
+                  <a:pt x="7974761" y="232189"/>
+                </a:lnTo>
+                <a:lnTo>
+                  <a:pt x="8178186" y="639039"/>
+                </a:lnTo>
+                <a:lnTo>
+                  <a:pt x="8769033" y="639039"/>
+                </a:lnTo>
+                <a:lnTo>
+                  <a:pt x="8815226" y="546653"/>
+                </a:lnTo>
+                <a:lnTo>
+                  <a:pt x="8815226" y="4186791"/>
+                </a:lnTo>
+                <a:lnTo>
+                  <a:pt x="8769033" y="4094405"/>
+                </a:lnTo>
+                <a:lnTo>
+                  <a:pt x="8178186" y="4094405"/>
+                </a:lnTo>
+                <a:lnTo>
+                  <a:pt x="7974761" y="4501255"/>
+                </a:lnTo>
+                <a:lnTo>
+                  <a:pt x="8143698" y="4839128"/>
+                </a:lnTo>
+                <a:lnTo>
+                  <a:pt x="638791" y="4839128"/>
+                </a:lnTo>
+                <a:lnTo>
+                  <a:pt x="789955" y="4536801"/>
+                </a:lnTo>
+                <a:lnTo>
+                  <a:pt x="586530" y="4129951"/>
+                </a:lnTo>
+                <a:lnTo>
+                  <a:pt x="0" y="4129951"/>
+                </a:lnTo>
+                <a:lnTo>
+                  <a:pt x="0" y="602061"/>
+                </a:lnTo>
+                <a:lnTo>
+                  <a:pt x="18489" y="639039"/>
+                </a:lnTo>
+                <a:lnTo>
+                  <a:pt x="609336" y="639039"/>
+                </a:lnTo>
+                <a:lnTo>
+                  <a:pt x="812761" y="232189"/>
+                </a:lnTo>
+                <a:lnTo>
+                  <a:pt x="696666" y="0"/>
+                </a:lnTo>
+                <a:close/>
+                <a:moveTo>
+                  <a:pt x="3921027" y="193898"/>
+                </a:moveTo>
+                <a:lnTo>
+                  <a:pt x="3897280" y="245351"/>
+                </a:lnTo>
+                <a:lnTo>
+                  <a:pt x="3927910" y="245351"/>
+                </a:lnTo>
+                <a:lnTo>
+                  <a:pt x="3975233" y="193898"/>
+                </a:lnTo>
+                <a:lnTo>
+                  <a:pt x="3921027" y="193898"/>
+                </a:lnTo>
+                <a:close/>
+                <a:moveTo>
+                  <a:pt x="3903131" y="259806"/>
+                </a:moveTo>
+                <a:lnTo>
+                  <a:pt x="3903131" y="512079"/>
+                </a:lnTo>
+                <a:lnTo>
+                  <a:pt x="3954067" y="512079"/>
+                </a:lnTo>
+                <a:lnTo>
+                  <a:pt x="3954067" y="259806"/>
+                </a:lnTo>
+                <a:lnTo>
+                  <a:pt x="3903131" y="259806"/>
+                </a:lnTo>
+                <a:close/>
+                <a:moveTo>
+                  <a:pt x="4328388" y="259806"/>
+                </a:moveTo>
+                <a:lnTo>
+                  <a:pt x="4328388" y="350666"/>
+                </a:lnTo>
+                <a:cubicBezTo>
+                  <a:pt x="4313475" y="333687"/>
+                  <a:pt x="4295808" y="325197"/>
+                  <a:pt x="4275387" y="325197"/>
+                </a:cubicBezTo>
+                <a:cubicBezTo>
+                  <a:pt x="4253131" y="325197"/>
+                  <a:pt x="4234718" y="333257"/>
+                  <a:pt x="4220148" y="349375"/>
+                </a:cubicBezTo>
+                <a:cubicBezTo>
+                  <a:pt x="4205579" y="365493"/>
+                  <a:pt x="4198294" y="389040"/>
+                  <a:pt x="4198294" y="420015"/>
+                </a:cubicBezTo>
+                <a:cubicBezTo>
+                  <a:pt x="4198294" y="450301"/>
+                  <a:pt x="4205780" y="473905"/>
+                  <a:pt x="4220751" y="490827"/>
+                </a:cubicBezTo>
+                <a:cubicBezTo>
+                  <a:pt x="4235722" y="507748"/>
+                  <a:pt x="4253705" y="516209"/>
+                  <a:pt x="4274699" y="516209"/>
+                </a:cubicBezTo>
+                <a:cubicBezTo>
+                  <a:pt x="4285024" y="516209"/>
+                  <a:pt x="4295262" y="513656"/>
+                  <a:pt x="4305415" y="508551"/>
+                </a:cubicBezTo>
+                <a:cubicBezTo>
+                  <a:pt x="4315568" y="503446"/>
+                  <a:pt x="4324373" y="495674"/>
+                  <a:pt x="4331830" y="485234"/>
+                </a:cubicBezTo>
+                <a:lnTo>
+                  <a:pt x="4331830" y="512079"/>
+                </a:lnTo>
+                <a:lnTo>
+                  <a:pt x="4376744" y="512079"/>
+                </a:lnTo>
+                <a:lnTo>
+                  <a:pt x="4376744" y="259806"/>
+                </a:lnTo>
+                <a:lnTo>
+                  <a:pt x="4328388" y="259806"/>
+                </a:lnTo>
+                <a:close/>
+                <a:moveTo>
+                  <a:pt x="4428210" y="259806"/>
+                </a:moveTo>
+                <a:lnTo>
+                  <a:pt x="4428210" y="304548"/>
+                </a:lnTo>
+                <a:lnTo>
+                  <a:pt x="4476565" y="304548"/>
+                </a:lnTo>
+                <a:lnTo>
+                  <a:pt x="4476565" y="259806"/>
+                </a:lnTo>
+                <a:lnTo>
+                  <a:pt x="4428210" y="259806"/>
+                </a:lnTo>
+                <a:close/>
+                <a:moveTo>
+                  <a:pt x="4601414" y="325197"/>
+                </a:moveTo>
+                <a:cubicBezTo>
+                  <a:pt x="4574225" y="325197"/>
+                  <a:pt x="4552657" y="333601"/>
+                  <a:pt x="4536711" y="350408"/>
+                </a:cubicBezTo>
+                <a:cubicBezTo>
+                  <a:pt x="4520764" y="367214"/>
+                  <a:pt x="4512791" y="390704"/>
+                  <a:pt x="4512791" y="420875"/>
+                </a:cubicBezTo>
+                <a:cubicBezTo>
+                  <a:pt x="4512791" y="450703"/>
+                  <a:pt x="4520736" y="474049"/>
+                  <a:pt x="4536625" y="490913"/>
+                </a:cubicBezTo>
+                <a:cubicBezTo>
+                  <a:pt x="4552513" y="507777"/>
+                  <a:pt x="4573823" y="516209"/>
+                  <a:pt x="4600553" y="516209"/>
+                </a:cubicBezTo>
+                <a:cubicBezTo>
+                  <a:pt x="4624071" y="516209"/>
+                  <a:pt x="4642828" y="510645"/>
+                  <a:pt x="4656824" y="499517"/>
+                </a:cubicBezTo>
+                <a:cubicBezTo>
+                  <a:pt x="4670821" y="488389"/>
+                  <a:pt x="4680285" y="471926"/>
+                  <a:pt x="4685218" y="450129"/>
+                </a:cubicBezTo>
+                <a:lnTo>
+                  <a:pt x="4637723" y="442041"/>
+                </a:lnTo>
+                <a:cubicBezTo>
+                  <a:pt x="4635314" y="454776"/>
+                  <a:pt x="4631184" y="463753"/>
+                  <a:pt x="4625333" y="468972"/>
+                </a:cubicBezTo>
+                <a:cubicBezTo>
+                  <a:pt x="4619482" y="474192"/>
+                  <a:pt x="4611968" y="476802"/>
+                  <a:pt x="4602790" y="476802"/>
+                </a:cubicBezTo>
+                <a:cubicBezTo>
+                  <a:pt x="4590515" y="476802"/>
+                  <a:pt x="4580735" y="472328"/>
+                  <a:pt x="4573450" y="463380"/>
+                </a:cubicBezTo>
+                <a:cubicBezTo>
+                  <a:pt x="4566166" y="454431"/>
+                  <a:pt x="4562523" y="439116"/>
+                  <a:pt x="4562523" y="417434"/>
+                </a:cubicBezTo>
+                <a:cubicBezTo>
+                  <a:pt x="4562523" y="397931"/>
+                  <a:pt x="4566108" y="384021"/>
+                  <a:pt x="4573278" y="375704"/>
+                </a:cubicBezTo>
+                <a:cubicBezTo>
+                  <a:pt x="4580448" y="367386"/>
+                  <a:pt x="4590056" y="363228"/>
+                  <a:pt x="4602102" y="363228"/>
+                </a:cubicBezTo>
+                <a:cubicBezTo>
+                  <a:pt x="4611165" y="363228"/>
+                  <a:pt x="4618536" y="365637"/>
+                  <a:pt x="4624215" y="370455"/>
+                </a:cubicBezTo>
+                <a:cubicBezTo>
+                  <a:pt x="4629893" y="375273"/>
+                  <a:pt x="4633536" y="382444"/>
+                  <a:pt x="4635142" y="391965"/>
+                </a:cubicBezTo>
+                <a:lnTo>
+                  <a:pt x="4682809" y="383361"/>
+                </a:lnTo>
+                <a:cubicBezTo>
+                  <a:pt x="4677073" y="363744"/>
+                  <a:pt x="4667637" y="349146"/>
+                  <a:pt x="4654501" y="339566"/>
+                </a:cubicBezTo>
+                <a:cubicBezTo>
+                  <a:pt x="4641366" y="329987"/>
+                  <a:pt x="4623670" y="325197"/>
+                  <a:pt x="4601414" y="325197"/>
+                </a:cubicBezTo>
+                <a:close/>
+                <a:moveTo>
+                  <a:pt x="4793179" y="325197"/>
+                </a:moveTo>
+                <a:cubicBezTo>
+                  <a:pt x="4768972" y="325197"/>
+                  <a:pt x="4748954" y="333773"/>
+                  <a:pt x="4733122" y="350924"/>
+                </a:cubicBezTo>
+                <a:cubicBezTo>
+                  <a:pt x="4717290" y="368075"/>
+                  <a:pt x="4709375" y="391793"/>
+                  <a:pt x="4709375" y="422080"/>
+                </a:cubicBezTo>
+                <a:cubicBezTo>
+                  <a:pt x="4709375" y="447433"/>
+                  <a:pt x="4715397" y="468427"/>
+                  <a:pt x="4727443" y="485062"/>
+                </a:cubicBezTo>
+                <a:cubicBezTo>
+                  <a:pt x="4742701" y="505827"/>
+                  <a:pt x="4766219" y="516209"/>
+                  <a:pt x="4797997" y="516209"/>
+                </a:cubicBezTo>
+                <a:cubicBezTo>
+                  <a:pt x="4818073" y="516209"/>
+                  <a:pt x="4834794" y="511591"/>
+                  <a:pt x="4848159" y="502356"/>
+                </a:cubicBezTo>
+                <a:cubicBezTo>
+                  <a:pt x="4861524" y="493121"/>
+                  <a:pt x="4871304" y="479670"/>
+                  <a:pt x="4877499" y="462003"/>
+                </a:cubicBezTo>
+                <a:lnTo>
+                  <a:pt x="4829316" y="453915"/>
+                </a:lnTo>
+                <a:cubicBezTo>
+                  <a:pt x="4826678" y="463093"/>
+                  <a:pt x="4822777" y="469747"/>
+                  <a:pt x="4817614" y="473877"/>
+                </a:cubicBezTo>
+                <a:cubicBezTo>
+                  <a:pt x="4812452" y="478007"/>
+                  <a:pt x="4806085" y="480072"/>
+                  <a:pt x="4798513" y="480072"/>
+                </a:cubicBezTo>
+                <a:cubicBezTo>
+                  <a:pt x="4787385" y="480072"/>
+                  <a:pt x="4778093" y="476085"/>
+                  <a:pt x="4770636" y="468112"/>
+                </a:cubicBezTo>
+                <a:cubicBezTo>
+                  <a:pt x="4763179" y="460139"/>
+                  <a:pt x="4759278" y="448982"/>
+                  <a:pt x="4758934" y="434642"/>
+                </a:cubicBezTo>
+                <a:lnTo>
+                  <a:pt x="4880080" y="434642"/>
+                </a:lnTo>
+                <a:cubicBezTo>
+                  <a:pt x="4880769" y="397587"/>
+                  <a:pt x="4873254" y="370082"/>
+                  <a:pt x="4857538" y="352128"/>
+                </a:cubicBezTo>
+                <a:cubicBezTo>
+                  <a:pt x="4841821" y="334174"/>
+                  <a:pt x="4820368" y="325197"/>
+                  <a:pt x="4793179" y="325197"/>
+                </a:cubicBezTo>
+                <a:close/>
+                <a:moveTo>
+                  <a:pt x="4428210" y="329327"/>
+                </a:moveTo>
+                <a:lnTo>
+                  <a:pt x="4428210" y="512079"/>
+                </a:lnTo>
+                <a:lnTo>
+                  <a:pt x="4476565" y="512079"/>
+                </a:lnTo>
+                <a:lnTo>
+                  <a:pt x="4476565" y="329327"/>
+                </a:lnTo>
+                <a:lnTo>
+                  <a:pt x="4428210" y="329327"/>
+                </a:lnTo>
+                <a:close/>
+                <a:moveTo>
+                  <a:pt x="4094858" y="325197"/>
+                </a:moveTo>
+                <a:cubicBezTo>
+                  <a:pt x="4070652" y="325197"/>
+                  <a:pt x="4050576" y="335522"/>
+                  <a:pt x="4034630" y="356172"/>
+                </a:cubicBezTo>
+                <a:lnTo>
+                  <a:pt x="4034630" y="329327"/>
+                </a:lnTo>
+                <a:lnTo>
+                  <a:pt x="3989716" y="329327"/>
+                </a:lnTo>
+                <a:lnTo>
+                  <a:pt x="3989716" y="512079"/>
+                </a:lnTo>
+                <a:lnTo>
+                  <a:pt x="4038071" y="512079"/>
+                </a:lnTo>
+                <a:lnTo>
+                  <a:pt x="4038071" y="429307"/>
+                </a:lnTo>
+                <a:cubicBezTo>
+                  <a:pt x="4038071" y="408887"/>
+                  <a:pt x="4039305" y="394891"/>
+                  <a:pt x="4041771" y="387319"/>
+                </a:cubicBezTo>
+                <a:cubicBezTo>
+                  <a:pt x="4044238" y="379748"/>
+                  <a:pt x="4048798" y="373667"/>
+                  <a:pt x="4055452" y="369078"/>
+                </a:cubicBezTo>
+                <a:cubicBezTo>
+                  <a:pt x="4062105" y="364490"/>
+                  <a:pt x="4069620" y="362195"/>
+                  <a:pt x="4077994" y="362195"/>
+                </a:cubicBezTo>
+                <a:cubicBezTo>
+                  <a:pt x="4084533" y="362195"/>
+                  <a:pt x="4090126" y="363801"/>
+                  <a:pt x="4094772" y="367013"/>
+                </a:cubicBezTo>
+                <a:cubicBezTo>
+                  <a:pt x="4099419" y="370226"/>
+                  <a:pt x="4102774" y="374729"/>
+                  <a:pt x="4104839" y="380522"/>
+                </a:cubicBezTo>
+                <a:cubicBezTo>
+                  <a:pt x="4106904" y="386315"/>
+                  <a:pt x="4107937" y="399078"/>
+                  <a:pt x="4107937" y="418810"/>
+                </a:cubicBezTo>
+                <a:lnTo>
+                  <a:pt x="4107937" y="512079"/>
+                </a:lnTo>
+                <a:lnTo>
+                  <a:pt x="4156292" y="512079"/>
+                </a:lnTo>
+                <a:lnTo>
+                  <a:pt x="4156292" y="398505"/>
+                </a:lnTo>
+                <a:cubicBezTo>
+                  <a:pt x="4156292" y="384394"/>
+                  <a:pt x="4155403" y="373553"/>
+                  <a:pt x="4153625" y="365981"/>
+                </a:cubicBezTo>
+                <a:cubicBezTo>
+                  <a:pt x="4151847" y="358409"/>
+                  <a:pt x="4148692" y="351641"/>
+                  <a:pt x="4144160" y="345675"/>
+                </a:cubicBezTo>
+                <a:cubicBezTo>
+                  <a:pt x="4139629" y="339710"/>
+                  <a:pt x="4132946" y="334805"/>
+                  <a:pt x="4124112" y="330962"/>
+                </a:cubicBezTo>
+                <a:cubicBezTo>
+                  <a:pt x="4115279" y="327119"/>
+                  <a:pt x="4105528" y="325197"/>
+                  <a:pt x="4094858" y="325197"/>
+                </a:cubicBezTo>
+                <a:close/>
+              </a:path>
+            </a:pathLst>
+          </a:custGeom>
+          <a:noFill/>
+          <a:ln>
+            <a:solidFill>
+              <a:srgbClr val="965FF4"/>
+            </a:solidFill>
+          </a:ln>
+        </p:spPr>
+        <p:style>
+          <a:lnRef idx="2">
+            <a:schemeClr val="accent1">
+              <a:shade val="50000"/>
+            </a:schemeClr>
+          </a:lnRef>
+          <a:fillRef idx="1">
+            <a:schemeClr val="accent1"/>
+          </a:fillRef>
+          <a:effectRef idx="0">
+            <a:schemeClr val="accent1"/>
+          </a:effectRef>
+          <a:fontRef idx="minor">
+            <a:schemeClr val="lt1"/>
+          </a:fontRef>
+        </p:style>
+        <p:txBody>
+          <a:bodyPr rtlCol="0" anchor="ctr"/>
+          <a:lstStyle/>
+          <a:p>
+            <a:pPr algn="ctr"/>
+            <a:endParaRPr lang="en-GB"/>
+          </a:p>
+        </p:txBody>
+      </p:sp>
+      <p:sp>
+        <p:nvSpPr>
+          <p:cNvPr id="5" name="Rectangle 4"/>
+          <p:cNvSpPr/>
+          <p:nvPr/>
+        </p:nvSpPr>
+        <p:spPr>
+          <a:xfrm>
+            <a:off x="3760341" y="341986"/>
+            <a:ext cx="1479479" cy="626723"/>
+          </a:xfrm>
+          <a:prstGeom prst="rect">
+            <a:avLst/>
+          </a:prstGeom>
+          <a:solidFill>
+            <a:schemeClr val="bg1"/>
+          </a:solidFill>
+          <a:ln>
+            <a:solidFill>
+              <a:schemeClr val="bg1"/>
+            </a:solidFill>
+          </a:ln>
+        </p:spPr>
+        <p:style>
+          <a:lnRef idx="2">
+            <a:schemeClr val="accent1">
+              <a:shade val="50000"/>
+            </a:schemeClr>
+          </a:lnRef>
+          <a:fillRef idx="1">
+            <a:schemeClr val="accent1"/>
+          </a:fillRef>
+          <a:effectRef idx="0">
+            <a:schemeClr val="accent1"/>
+          </a:effectRef>
+          <a:fontRef idx="minor">
+            <a:schemeClr val="lt1"/>
+          </a:fontRef>
+        </p:style>
+        <p:txBody>
+          <a:bodyPr rtlCol="0" anchor="ctr"/>
+          <a:lstStyle/>
+          <a:p>
+            <a:pPr algn="ctr"/>
+            <a:endParaRPr lang="en-GB"/>
+          </a:p>
+        </p:txBody>
+      </p:sp>
+      <p:sp>
+        <p:nvSpPr>
+          <p:cNvPr id="7" name="Rectangle 6"/>
+          <p:cNvSpPr/>
+          <p:nvPr/>
+        </p:nvSpPr>
+        <p:spPr>
+          <a:xfrm>
+            <a:off x="990456" y="1527326"/>
+            <a:ext cx="7019247" cy="2215991"/>
+          </a:xfrm>
+          <a:prstGeom prst="rect">
+            <a:avLst/>
+          </a:prstGeom>
+        </p:spPr>
+        <p:txBody>
+          <a:bodyPr wrap="square">
+            <a:spAutoFit/>
+          </a:bodyPr>
+          <a:lstStyle/>
+          <a:p>
+            <a:pPr algn="ctr"/>
+            <a:r>
+              <a:rPr lang="en-GB" sz="13800" b="1" dirty="0" smtClean="0">
+                <a:solidFill>
+                  <a:srgbClr val="FF0000"/>
+                </a:solidFill>
+              </a:rPr>
+              <a:t>FIM</a:t>
+            </a:r>
+            <a:endParaRPr lang="en-GB" sz="13800" b="1" dirty="0">
+              <a:solidFill>
+                <a:srgbClr val="FF0000"/>
+              </a:solidFill>
+            </a:endParaRPr>
+          </a:p>
+        </p:txBody>
+      </p:sp>
+    </p:spTree>
+    <p:extLst>
+      <p:ext uri="{BB962C8B-B14F-4D97-AF65-F5344CB8AC3E}">
+        <p14:creationId xmlns:p14="http://schemas.microsoft.com/office/powerpoint/2010/main" val="1873937873"/>
       </p:ext>
     </p:extLst>
   </p:cSld>
